--- a/document/vsf_brief.pptx
+++ b/document/vsf_brief.pptx
@@ -6,12 +6,16 @@
   </p:sldMasterIdLst>
   <p:sldIdLst>
     <p:sldId id="256" r:id="rId3"/>
-    <p:sldId id="268" r:id="rId4"/>
-    <p:sldId id="278" r:id="rId5"/>
-    <p:sldId id="279" r:id="rId6"/>
+    <p:sldId id="281" r:id="rId4"/>
+    <p:sldId id="268" r:id="rId5"/>
+    <p:sldId id="278" r:id="rId6"/>
+    <p:sldId id="279" r:id="rId7"/>
   </p:sldIdLst>
   <p:sldSz cx="12192000" cy="6858000"/>
   <p:notesSz cx="6858000" cy="9144000"/>
+  <p:custDataLst>
+    <p:tags r:id="rId11"/>
+  </p:custDataLst>
   <p:defaultTextStyle>
     <a:defPPr>
       <a:defRPr lang="en-US"/>
@@ -2932,7 +2936,7 @@
         </p:nvSpPr>
         <p:spPr>
           <a:xfrm>
-            <a:off x="4670425" y="1774825"/>
+            <a:off x="4670425" y="1957070"/>
             <a:ext cx="898525" cy="3355340"/>
           </a:xfrm>
           <a:prstGeom prst="rect">
@@ -2974,7 +2978,7 @@
         </p:nvSpPr>
         <p:spPr>
           <a:xfrm>
-            <a:off x="1036955" y="1774190"/>
+            <a:off x="1036955" y="1956435"/>
             <a:ext cx="3564890" cy="634365"/>
           </a:xfrm>
           <a:prstGeom prst="rect">
@@ -3016,7 +3020,7 @@
         </p:nvSpPr>
         <p:spPr>
           <a:xfrm>
-            <a:off x="1035050" y="3159760"/>
+            <a:off x="1035050" y="3342005"/>
             <a:ext cx="3566795" cy="610870"/>
           </a:xfrm>
           <a:prstGeom prst="rect">
@@ -3070,7 +3074,7 @@
         </p:nvSpPr>
         <p:spPr>
           <a:xfrm>
-            <a:off x="1035050" y="441448"/>
+            <a:off x="1035050" y="623693"/>
             <a:ext cx="4533900" cy="610750"/>
           </a:xfrm>
           <a:prstGeom prst="rect">
@@ -3112,7 +3116,7 @@
         </p:nvSpPr>
         <p:spPr>
           <a:xfrm>
-            <a:off x="1035050" y="2473960"/>
+            <a:off x="1035050" y="2656205"/>
             <a:ext cx="3566795" cy="634365"/>
           </a:xfrm>
           <a:prstGeom prst="rect">
@@ -3162,7 +3166,7 @@
         </p:nvSpPr>
         <p:spPr>
           <a:xfrm>
-            <a:off x="1036320" y="1103774"/>
+            <a:off x="1036320" y="1286019"/>
             <a:ext cx="4532630" cy="610750"/>
           </a:xfrm>
           <a:prstGeom prst="rect">
@@ -3215,7 +3219,7 @@
         </p:nvSpPr>
         <p:spPr>
           <a:xfrm>
-            <a:off x="1026160" y="3825875"/>
+            <a:off x="1026160" y="4008120"/>
             <a:ext cx="3576320" cy="610870"/>
           </a:xfrm>
           <a:prstGeom prst="rect">
@@ -3257,7 +3261,7 @@
         </p:nvSpPr>
         <p:spPr>
           <a:xfrm>
-            <a:off x="1036955" y="5198067"/>
+            <a:off x="1036955" y="5380312"/>
             <a:ext cx="4533900" cy="610750"/>
           </a:xfrm>
           <a:prstGeom prst="rect">
@@ -3299,7 +3303,7 @@
         </p:nvSpPr>
         <p:spPr>
           <a:xfrm>
-            <a:off x="6002868" y="5198327"/>
+            <a:off x="6002868" y="5380572"/>
             <a:ext cx="5774266" cy="615553"/>
           </a:xfrm>
           <a:prstGeom prst="rect">
@@ -3436,7 +3440,7 @@
         </p:nvSpPr>
         <p:spPr>
           <a:xfrm>
-            <a:off x="6002868" y="3993018"/>
+            <a:off x="6002868" y="4175263"/>
             <a:ext cx="5774266" cy="276999"/>
           </a:xfrm>
           <a:prstGeom prst="rect">
@@ -3489,7 +3493,7 @@
         </p:nvSpPr>
         <p:spPr>
           <a:xfrm>
-            <a:off x="6002868" y="3331775"/>
+            <a:off x="6002868" y="3514020"/>
             <a:ext cx="5774266" cy="438582"/>
           </a:xfrm>
           <a:prstGeom prst="rect">
@@ -3626,7 +3630,7 @@
         </p:nvSpPr>
         <p:spPr>
           <a:xfrm>
-            <a:off x="6002868" y="2523282"/>
+            <a:off x="6002868" y="2705527"/>
             <a:ext cx="5774266" cy="584775"/>
           </a:xfrm>
           <a:prstGeom prst="rect">
@@ -3742,7 +3746,7 @@
         </p:nvSpPr>
         <p:spPr>
           <a:xfrm>
-            <a:off x="6002868" y="2131726"/>
+            <a:off x="6002868" y="2313971"/>
             <a:ext cx="5774266" cy="276999"/>
           </a:xfrm>
           <a:prstGeom prst="rect">
@@ -3795,7 +3799,7 @@
         </p:nvSpPr>
         <p:spPr>
           <a:xfrm>
-            <a:off x="6002868" y="1624656"/>
+            <a:off x="6002868" y="1806901"/>
             <a:ext cx="5774266" cy="460375"/>
           </a:xfrm>
           <a:prstGeom prst="rect">
@@ -3869,7 +3873,7 @@
         </p:nvSpPr>
         <p:spPr>
           <a:xfrm>
-            <a:off x="6002868" y="1103678"/>
+            <a:off x="6002868" y="1285923"/>
             <a:ext cx="5774266" cy="430887"/>
           </a:xfrm>
           <a:prstGeom prst="rect">
@@ -4076,7 +4080,7 @@
         </p:nvSpPr>
         <p:spPr>
           <a:xfrm>
-            <a:off x="6002868" y="531379"/>
+            <a:off x="6004138" y="790459"/>
             <a:ext cx="5774266" cy="276999"/>
           </a:xfrm>
           <a:prstGeom prst="rect">
@@ -4115,7 +4119,7 @@
         </p:nvSpPr>
         <p:spPr>
           <a:xfrm>
-            <a:off x="1026159" y="5988211"/>
+            <a:off x="1026159" y="6170456"/>
             <a:ext cx="10674773" cy="415498"/>
           </a:xfrm>
           <a:prstGeom prst="rect">
@@ -4249,7 +4253,7 @@
         </p:nvSpPr>
         <p:spPr>
           <a:xfrm>
-            <a:off x="1025525" y="4518660"/>
+            <a:off x="1025525" y="4700905"/>
             <a:ext cx="3576320" cy="610870"/>
           </a:xfrm>
           <a:prstGeom prst="rect">
@@ -4290,7 +4294,7 @@
         </p:nvSpPr>
         <p:spPr>
           <a:xfrm>
-            <a:off x="6002868" y="4686438"/>
+            <a:off x="6002868" y="4868683"/>
             <a:ext cx="5774266" cy="275590"/>
           </a:xfrm>
           <a:prstGeom prst="rect">
@@ -4335,6 +4339,48 @@
               <a:t>移植、中断保护等芯片架构相关代码</a:t>
             </a:r>
             <a:endParaRPr lang="zh-CN" altLang="en-US" sz="1200" dirty="0">
+              <a:latin typeface="幼圆" panose="02010509060101010101" pitchFamily="49" charset="-122"/>
+              <a:ea typeface="幼圆" panose="02010509060101010101" pitchFamily="49" charset="-122"/>
+            </a:endParaRPr>
+          </a:p>
+        </p:txBody>
+      </p:sp>
+      <p:sp>
+        <p:nvSpPr>
+          <p:cNvPr id="5" name="TextBox 24"/>
+          <p:cNvSpPr txBox="1"/>
+          <p:nvPr/>
+        </p:nvSpPr>
+        <p:spPr>
+          <a:xfrm>
+            <a:off x="6131138" y="229754"/>
+            <a:ext cx="5774266" cy="398780"/>
+          </a:xfrm>
+          <a:prstGeom prst="rect">
+            <a:avLst/>
+          </a:prstGeom>
+          <a:noFill/>
+        </p:spPr>
+        <p:txBody>
+          <a:bodyPr wrap="square" rtlCol="0">
+            <a:spAutoFit/>
+          </a:bodyPr>
+          <a:p>
+            <a:pPr algn="ctr"/>
+            <a:r>
+              <a:rPr lang="zh-CN" altLang="en-US" sz="2000" b="1" dirty="0">
+                <a:solidFill>
+                  <a:srgbClr val="00B050"/>
+                </a:solidFill>
+                <a:latin typeface="幼圆" panose="02010509060101010101" pitchFamily="49" charset="-122"/>
+                <a:ea typeface="幼圆" panose="02010509060101010101" pitchFamily="49" charset="-122"/>
+              </a:rPr>
+              <a:t>整体框架</a:t>
+            </a:r>
+            <a:endParaRPr lang="zh-CN" altLang="en-US" sz="2000" b="1" dirty="0">
+              <a:solidFill>
+                <a:srgbClr val="00B050"/>
+              </a:solidFill>
               <a:latin typeface="幼圆" panose="02010509060101010101" pitchFamily="49" charset="-122"/>
               <a:ea typeface="幼圆" panose="02010509060101010101" pitchFamily="49" charset="-122"/>
             </a:endParaRPr>
@@ -4368,35 +4414,275 @@
       </p:grpSpPr>
       <p:sp>
         <p:nvSpPr>
-          <p:cNvPr id="2" name="Title 1"/>
-          <p:cNvSpPr>
-            <a:spLocks noGrp="1"/>
-          </p:cNvSpPr>
-          <p:nvPr>
-            <p:ph type="title"/>
-          </p:nvPr>
+          <p:cNvPr id="15" name="Rectangle 14"/>
+          <p:cNvSpPr/>
+          <p:nvPr/>
         </p:nvSpPr>
         <p:spPr>
           <a:xfrm>
-            <a:off x="838200" y="365125"/>
-            <a:ext cx="10515600" cy="701675"/>
+            <a:off x="661035" y="697230"/>
+            <a:ext cx="5342255" cy="1494155"/>
           </a:xfrm>
+          <a:prstGeom prst="rect">
+            <a:avLst/>
+          </a:prstGeom>
         </p:spPr>
-        <p:txBody>
-          <a:bodyPr/>
+        <p:style>
+          <a:lnRef idx="0">
+            <a:schemeClr val="accent4"/>
+          </a:lnRef>
+          <a:fillRef idx="3">
+            <a:schemeClr val="accent4"/>
+          </a:fillRef>
+          <a:effectRef idx="3">
+            <a:schemeClr val="accent4"/>
+          </a:effectRef>
+          <a:fontRef idx="minor">
+            <a:schemeClr val="lt1"/>
+          </a:fontRef>
+        </p:style>
+        <p:txBody>
+          <a:bodyPr rtlCol="0" anchor="ctr"/>
           <a:lstStyle/>
           <a:p>
-            <a:r>
-              <a:rPr lang="zh-CN" altLang="en-US" dirty="0">
+            <a:pPr algn="l" fontAlgn="ctr"/>
+            <a:r>
+              <a:rPr lang="en-US" altLang="en-GB" dirty="0"/>
+              <a:t>LV2</a:t>
+            </a:r>
+            <a:endParaRPr lang="en-US" altLang="en-GB" dirty="0"/>
+          </a:p>
+        </p:txBody>
+      </p:sp>
+      <p:sp>
+        <p:nvSpPr>
+          <p:cNvPr id="16" name="Rectangle 15"/>
+          <p:cNvSpPr/>
+          <p:nvPr/>
+        </p:nvSpPr>
+        <p:spPr>
+          <a:xfrm>
+            <a:off x="1141095" y="764540"/>
+            <a:ext cx="1496695" cy="610870"/>
+          </a:xfrm>
+          <a:prstGeom prst="rect">
+            <a:avLst/>
+          </a:prstGeom>
+        </p:spPr>
+        <p:style>
+          <a:lnRef idx="0">
+            <a:schemeClr val="accent3"/>
+          </a:lnRef>
+          <a:fillRef idx="3">
+            <a:schemeClr val="accent3"/>
+          </a:fillRef>
+          <a:effectRef idx="3">
+            <a:schemeClr val="accent3"/>
+          </a:effectRef>
+          <a:fontRef idx="minor">
+            <a:schemeClr val="lt1"/>
+          </a:fontRef>
+        </p:style>
+        <p:txBody>
+          <a:bodyPr rtlCol="0" anchor="ctr"/>
+          <a:lstStyle/>
+          <a:p>
+            <a:pPr algn="ctr"/>
+            <a:r>
+              <a:rPr lang="en-US" altLang="en-GB" dirty="0"/>
+              <a:t>Arduino HAL</a:t>
+            </a:r>
+            <a:endParaRPr lang="en-US" altLang="en-GB" dirty="0"/>
+          </a:p>
+        </p:txBody>
+      </p:sp>
+      <p:sp>
+        <p:nvSpPr>
+          <p:cNvPr id="24" name="TextBox 23"/>
+          <p:cNvSpPr txBox="1"/>
+          <p:nvPr/>
+        </p:nvSpPr>
+        <p:spPr>
+          <a:xfrm>
+            <a:off x="6194638" y="959533"/>
+            <a:ext cx="5774266" cy="645160"/>
+          </a:xfrm>
+          <a:prstGeom prst="rect">
+            <a:avLst/>
+          </a:prstGeom>
+          <a:noFill/>
+        </p:spPr>
+        <p:txBody>
+          <a:bodyPr wrap="square" rtlCol="0">
+            <a:spAutoFit/>
+          </a:bodyPr>
+          <a:lstStyle/>
+          <a:p>
+            <a:r>
+              <a:rPr lang="zh-CN" altLang="en-US" sz="1200" b="1" dirty="0">
                 <a:solidFill>
                   <a:srgbClr val="00B050"/>
                 </a:solidFill>
                 <a:latin typeface="幼圆" panose="02010509060101010101" pitchFamily="49" charset="-122"/>
                 <a:ea typeface="幼圆" panose="02010509060101010101" pitchFamily="49" charset="-122"/>
               </a:rPr>
-              <a:t>面向用户解困的设计思路</a:t>
-            </a:r>
-            <a:endParaRPr lang="en-GB" dirty="0">
+              <a:t>LV2 HAL</a:t>
+            </a:r>
+            <a:r>
+              <a:rPr lang="zh-CN" altLang="en-US" sz="1200" dirty="0">
+                <a:latin typeface="幼圆" panose="02010509060101010101" pitchFamily="49" charset="-122"/>
+                <a:ea typeface="幼圆" panose="02010509060101010101" pitchFamily="49" charset="-122"/>
+              </a:rPr>
+              <a:t>：按照具体使用场景封装的</a:t>
+            </a:r>
+            <a:r>
+              <a:rPr lang="en-US" altLang="zh-CN" sz="1200" dirty="0">
+                <a:latin typeface="幼圆" panose="02010509060101010101" pitchFamily="49" charset="-122"/>
+                <a:ea typeface="幼圆" panose="02010509060101010101" pitchFamily="49" charset="-122"/>
+              </a:rPr>
+              <a:t>HAL</a:t>
+            </a:r>
+            <a:r>
+              <a:rPr lang="zh-CN" altLang="en-US" sz="1200" dirty="0">
+                <a:latin typeface="幼圆" panose="02010509060101010101" pitchFamily="49" charset="-122"/>
+                <a:ea typeface="幼圆" panose="02010509060101010101" pitchFamily="49" charset="-122"/>
+              </a:rPr>
+              <a:t>接口，由实际应用场景决定</a:t>
+            </a:r>
+            <a:r>
+              <a:rPr lang="en-US" altLang="zh-CN" sz="1200" dirty="0">
+                <a:latin typeface="幼圆" panose="02010509060101010101" pitchFamily="49" charset="-122"/>
+                <a:ea typeface="幼圆" panose="02010509060101010101" pitchFamily="49" charset="-122"/>
+              </a:rPr>
+              <a:t>HAL</a:t>
+            </a:r>
+            <a:r>
+              <a:rPr lang="zh-CN" altLang="en-US" sz="1200" dirty="0">
+                <a:latin typeface="幼圆" panose="02010509060101010101" pitchFamily="49" charset="-122"/>
+                <a:ea typeface="幼圆" panose="02010509060101010101" pitchFamily="49" charset="-122"/>
+              </a:rPr>
+              <a:t>的</a:t>
+            </a:r>
+            <a:r>
+              <a:rPr lang="en-US" altLang="zh-CN" sz="1200" dirty="0">
+                <a:latin typeface="幼圆" panose="02010509060101010101" pitchFamily="49" charset="-122"/>
+                <a:ea typeface="幼圆" panose="02010509060101010101" pitchFamily="49" charset="-122"/>
+              </a:rPr>
+              <a:t>API</a:t>
+            </a:r>
+            <a:r>
+              <a:rPr lang="zh-CN" altLang="en-US" sz="1200" dirty="0">
+                <a:latin typeface="幼圆" panose="02010509060101010101" pitchFamily="49" charset="-122"/>
+                <a:ea typeface="幼圆" panose="02010509060101010101" pitchFamily="49" charset="-122"/>
+              </a:rPr>
+              <a:t>接口。</a:t>
+            </a:r>
+            <a:r>
+              <a:rPr lang="en-US" altLang="zh-CN" sz="1200" dirty="0">
+                <a:latin typeface="幼圆" panose="02010509060101010101" pitchFamily="49" charset="-122"/>
+                <a:ea typeface="幼圆" panose="02010509060101010101" pitchFamily="49" charset="-122"/>
+              </a:rPr>
+              <a:t>O(1)</a:t>
+            </a:r>
+            <a:r>
+              <a:rPr lang="zh-CN" altLang="en-US" sz="1200" dirty="0">
+                <a:latin typeface="幼圆" panose="02010509060101010101" pitchFamily="49" charset="-122"/>
+                <a:ea typeface="幼圆" panose="02010509060101010101" pitchFamily="49" charset="-122"/>
+              </a:rPr>
+              <a:t>的开发维护复杂度。可以按需依赖</a:t>
+            </a:r>
+            <a:r>
+              <a:rPr lang="en-US" altLang="zh-CN" sz="1200" dirty="0">
+                <a:latin typeface="幼圆" panose="02010509060101010101" pitchFamily="49" charset="-122"/>
+                <a:ea typeface="幼圆" panose="02010509060101010101" pitchFamily="49" charset="-122"/>
+              </a:rPr>
+              <a:t>VSF</a:t>
+            </a:r>
+            <a:r>
+              <a:rPr lang="zh-CN" altLang="en-US" sz="1200" dirty="0">
+                <a:latin typeface="幼圆" panose="02010509060101010101" pitchFamily="49" charset="-122"/>
+                <a:ea typeface="幼圆" panose="02010509060101010101" pitchFamily="49" charset="-122"/>
+              </a:rPr>
+              <a:t>里的所有内容，不过需要尽可能减少依赖，最好只是依赖</a:t>
+            </a:r>
+            <a:r>
+              <a:rPr lang="en-US" altLang="zh-CN" sz="1200" dirty="0">
+                <a:latin typeface="幼圆" panose="02010509060101010101" pitchFamily="49" charset="-122"/>
+                <a:ea typeface="幼圆" panose="02010509060101010101" pitchFamily="49" charset="-122"/>
+              </a:rPr>
+              <a:t>LV0 HAL</a:t>
+            </a:r>
+            <a:r>
+              <a:rPr lang="zh-CN" altLang="en-US" sz="1200" dirty="0">
+                <a:latin typeface="幼圆" panose="02010509060101010101" pitchFamily="49" charset="-122"/>
+                <a:ea typeface="幼圆" panose="02010509060101010101" pitchFamily="49" charset="-122"/>
+              </a:rPr>
+              <a:t>（比如</a:t>
+            </a:r>
+            <a:r>
+              <a:rPr lang="en-US" altLang="zh-CN" sz="1200" dirty="0">
+                <a:latin typeface="幼圆" panose="02010509060101010101" pitchFamily="49" charset="-122"/>
+                <a:ea typeface="幼圆" panose="02010509060101010101" pitchFamily="49" charset="-122"/>
+              </a:rPr>
+              <a:t> ST HAL</a:t>
+            </a:r>
+            <a:r>
+              <a:rPr lang="zh-CN" altLang="en-US" sz="1200" dirty="0">
+                <a:latin typeface="幼圆" panose="02010509060101010101" pitchFamily="49" charset="-122"/>
+                <a:ea typeface="幼圆" panose="02010509060101010101" pitchFamily="49" charset="-122"/>
+              </a:rPr>
+              <a:t>）。</a:t>
+            </a:r>
+            <a:endParaRPr lang="zh-CN" altLang="en-US" sz="1200" dirty="0">
+              <a:latin typeface="幼圆" panose="02010509060101010101" pitchFamily="49" charset="-122"/>
+              <a:ea typeface="幼圆" panose="02010509060101010101" pitchFamily="49" charset="-122"/>
+            </a:endParaRPr>
+          </a:p>
+        </p:txBody>
+      </p:sp>
+      <p:sp>
+        <p:nvSpPr>
+          <p:cNvPr id="5" name="TextBox 24"/>
+          <p:cNvSpPr txBox="1"/>
+          <p:nvPr/>
+        </p:nvSpPr>
+        <p:spPr>
+          <a:xfrm>
+            <a:off x="6131138" y="229754"/>
+            <a:ext cx="5774266" cy="398780"/>
+          </a:xfrm>
+          <a:prstGeom prst="rect">
+            <a:avLst/>
+          </a:prstGeom>
+          <a:noFill/>
+        </p:spPr>
+        <p:txBody>
+          <a:bodyPr wrap="square" rtlCol="0">
+            <a:spAutoFit/>
+          </a:bodyPr>
+          <a:p>
+            <a:pPr algn="ctr"/>
+            <a:r>
+              <a:rPr lang="en-US" altLang="zh-CN" sz="2000" b="1" dirty="0">
+                <a:solidFill>
+                  <a:srgbClr val="00B050"/>
+                </a:solidFill>
+                <a:latin typeface="幼圆" panose="02010509060101010101" pitchFamily="49" charset="-122"/>
+                <a:ea typeface="幼圆" panose="02010509060101010101" pitchFamily="49" charset="-122"/>
+              </a:rPr>
+              <a:t>HAL</a:t>
+            </a:r>
+            <a:r>
+              <a:rPr lang="zh-CN" altLang="en-US" sz="2000" b="1" dirty="0">
+                <a:solidFill>
+                  <a:srgbClr val="00B050"/>
+                </a:solidFill>
+                <a:latin typeface="幼圆" panose="02010509060101010101" pitchFamily="49" charset="-122"/>
+                <a:ea typeface="幼圆" panose="02010509060101010101" pitchFamily="49" charset="-122"/>
+              </a:rPr>
+              <a:t>框架</a:t>
+            </a:r>
+            <a:endParaRPr lang="zh-CN" altLang="en-US" sz="2000" b="1" dirty="0">
               <a:solidFill>
                 <a:srgbClr val="00B050"/>
               </a:solidFill>
@@ -4408,405 +4694,1089 @@
       </p:sp>
       <p:sp>
         <p:nvSpPr>
-          <p:cNvPr id="3" name="Content Placeholder 2"/>
-          <p:cNvSpPr>
-            <a:spLocks noGrp="1"/>
-          </p:cNvSpPr>
-          <p:nvPr>
-            <p:ph idx="1"/>
-          </p:nvPr>
+          <p:cNvPr id="7" name="Rectangle 15"/>
+          <p:cNvSpPr/>
+          <p:nvPr/>
         </p:nvSpPr>
         <p:spPr>
           <a:xfrm>
-            <a:off x="838200" y="1253067"/>
-            <a:ext cx="10515600" cy="4923896"/>
+            <a:off x="2764790" y="776605"/>
+            <a:ext cx="1496695" cy="610870"/>
           </a:xfrm>
+          <a:prstGeom prst="rect">
+            <a:avLst/>
+          </a:prstGeom>
         </p:spPr>
-        <p:txBody>
-          <a:bodyPr>
-            <a:normAutofit fontScale="90000" lnSpcReduction="20000"/>
+        <p:style>
+          <a:lnRef idx="0">
+            <a:schemeClr val="accent3"/>
+          </a:lnRef>
+          <a:fillRef idx="3">
+            <a:schemeClr val="accent3"/>
+          </a:fillRef>
+          <a:effectRef idx="3">
+            <a:schemeClr val="accent3"/>
+          </a:effectRef>
+          <a:fontRef idx="minor">
+            <a:schemeClr val="lt1"/>
+          </a:fontRef>
+        </p:style>
+        <p:txBody>
+          <a:bodyPr rtlCol="0" anchor="ctr"/>
+          <a:p>
+            <a:pPr algn="ctr"/>
+            <a:r>
+              <a:rPr lang="en-US" altLang="en-GB" dirty="0"/>
+              <a:t>ST HAL</a:t>
+            </a:r>
+            <a:endParaRPr lang="en-US" altLang="en-GB" dirty="0"/>
+          </a:p>
+        </p:txBody>
+      </p:sp>
+      <p:sp>
+        <p:nvSpPr>
+          <p:cNvPr id="8" name="Rectangle 15"/>
+          <p:cNvSpPr/>
+          <p:nvPr/>
+        </p:nvSpPr>
+        <p:spPr>
+          <a:xfrm>
+            <a:off x="1141095" y="1489075"/>
+            <a:ext cx="1496695" cy="610870"/>
+          </a:xfrm>
+          <a:prstGeom prst="rect">
+            <a:avLst/>
+          </a:prstGeom>
+        </p:spPr>
+        <p:style>
+          <a:lnRef idx="0">
+            <a:schemeClr val="accent3"/>
+          </a:lnRef>
+          <a:fillRef idx="3">
+            <a:schemeClr val="accent3"/>
+          </a:fillRef>
+          <a:effectRef idx="3">
+            <a:schemeClr val="accent3"/>
+          </a:effectRef>
+          <a:fontRef idx="minor">
+            <a:schemeClr val="lt1"/>
+          </a:fontRef>
+        </p:style>
+        <p:txBody>
+          <a:bodyPr rtlCol="0" anchor="ctr"/>
+          <a:p>
+            <a:pPr algn="ctr"/>
+            <a:r>
+              <a:rPr lang="en-US" altLang="en-GB" dirty="0"/>
+              <a:t>RTT HAL</a:t>
+            </a:r>
+            <a:endParaRPr lang="en-US" altLang="en-GB" dirty="0"/>
+          </a:p>
+        </p:txBody>
+      </p:sp>
+      <p:sp>
+        <p:nvSpPr>
+          <p:cNvPr id="10" name="Rectangle 15"/>
+          <p:cNvSpPr/>
+          <p:nvPr/>
+        </p:nvSpPr>
+        <p:spPr>
+          <a:xfrm>
+            <a:off x="4388485" y="1489075"/>
+            <a:ext cx="1496695" cy="610870"/>
+          </a:xfrm>
+          <a:prstGeom prst="rect">
+            <a:avLst/>
+          </a:prstGeom>
+        </p:spPr>
+        <p:style>
+          <a:lnRef idx="0">
+            <a:schemeClr val="accent3"/>
+          </a:lnRef>
+          <a:fillRef idx="3">
+            <a:schemeClr val="accent3"/>
+          </a:fillRef>
+          <a:effectRef idx="3">
+            <a:schemeClr val="accent3"/>
+          </a:effectRef>
+          <a:fontRef idx="minor">
+            <a:schemeClr val="lt1"/>
+          </a:fontRef>
+        </p:style>
+        <p:txBody>
+          <a:bodyPr rtlCol="0" anchor="ctr"/>
+          <a:p>
+            <a:pPr algn="ctr"/>
+            <a:r>
+              <a:rPr lang="en-US" altLang="en-GB" dirty="0"/>
+              <a:t>... HAL</a:t>
+            </a:r>
+            <a:endParaRPr lang="en-US" altLang="en-GB" dirty="0"/>
+          </a:p>
+        </p:txBody>
+      </p:sp>
+      <p:sp>
+        <p:nvSpPr>
+          <p:cNvPr id="14" name="Rectangle 15"/>
+          <p:cNvSpPr/>
+          <p:nvPr/>
+        </p:nvSpPr>
+        <p:spPr>
+          <a:xfrm>
+            <a:off x="4388485" y="788670"/>
+            <a:ext cx="1496695" cy="610870"/>
+          </a:xfrm>
+          <a:prstGeom prst="rect">
+            <a:avLst/>
+          </a:prstGeom>
+        </p:spPr>
+        <p:style>
+          <a:lnRef idx="0">
+            <a:schemeClr val="accent3"/>
+          </a:lnRef>
+          <a:fillRef idx="3">
+            <a:schemeClr val="accent3"/>
+          </a:fillRef>
+          <a:effectRef idx="3">
+            <a:schemeClr val="accent3"/>
+          </a:effectRef>
+          <a:fontRef idx="minor">
+            <a:schemeClr val="lt1"/>
+          </a:fontRef>
+        </p:style>
+        <p:txBody>
+          <a:bodyPr rtlCol="0" anchor="ctr"/>
+          <a:p>
+            <a:pPr algn="ctr"/>
+            <a:r>
+              <a:rPr lang="en-US" altLang="en-GB" dirty="0"/>
+              <a:t>linux HAL</a:t>
+            </a:r>
+            <a:endParaRPr lang="en-US" altLang="en-GB" dirty="0"/>
+          </a:p>
+        </p:txBody>
+      </p:sp>
+      <p:sp>
+        <p:nvSpPr>
+          <p:cNvPr id="19" name="Rectangle 15"/>
+          <p:cNvSpPr/>
+          <p:nvPr/>
+        </p:nvSpPr>
+        <p:spPr>
+          <a:xfrm>
+            <a:off x="2764790" y="1489075"/>
+            <a:ext cx="1496695" cy="610870"/>
+          </a:xfrm>
+          <a:prstGeom prst="rect">
+            <a:avLst/>
+          </a:prstGeom>
+        </p:spPr>
+        <p:style>
+          <a:lnRef idx="0">
+            <a:schemeClr val="accent3"/>
+          </a:lnRef>
+          <a:fillRef idx="3">
+            <a:schemeClr val="accent3"/>
+          </a:fillRef>
+          <a:effectRef idx="3">
+            <a:schemeClr val="accent3"/>
+          </a:effectRef>
+          <a:fontRef idx="minor">
+            <a:schemeClr val="lt1"/>
+          </a:fontRef>
+        </p:style>
+        <p:txBody>
+          <a:bodyPr rtlCol="0" anchor="ctr"/>
+          <a:p>
+            <a:pPr algn="ctr"/>
+            <a:r>
+              <a:rPr lang="en-US" altLang="en-GB" dirty="0"/>
+              <a:t>Alios HAL</a:t>
+            </a:r>
+            <a:endParaRPr lang="en-US" altLang="en-GB" dirty="0"/>
+          </a:p>
+        </p:txBody>
+      </p:sp>
+      <p:sp>
+        <p:nvSpPr>
+          <p:cNvPr id="27" name="Rectangle 14"/>
+          <p:cNvSpPr/>
+          <p:nvPr/>
+        </p:nvSpPr>
+        <p:spPr>
+          <a:xfrm>
+            <a:off x="660400" y="2348230"/>
+            <a:ext cx="5342255" cy="1494155"/>
+          </a:xfrm>
+          <a:prstGeom prst="rect">
+            <a:avLst/>
+          </a:prstGeom>
+        </p:spPr>
+        <p:style>
+          <a:lnRef idx="0">
+            <a:schemeClr val="accent4"/>
+          </a:lnRef>
+          <a:fillRef idx="3">
+            <a:schemeClr val="accent4"/>
+          </a:fillRef>
+          <a:effectRef idx="3">
+            <a:schemeClr val="accent4"/>
+          </a:effectRef>
+          <a:fontRef idx="minor">
+            <a:schemeClr val="lt1"/>
+          </a:fontRef>
+        </p:style>
+        <p:txBody>
+          <a:bodyPr rtlCol="0" anchor="ctr"/>
+          <a:p>
+            <a:pPr algn="l" fontAlgn="ctr"/>
+            <a:r>
+              <a:rPr lang="en-US" altLang="en-GB" dirty="0"/>
+              <a:t>LV0</a:t>
+            </a:r>
+            <a:endParaRPr lang="en-US" altLang="en-GB" dirty="0"/>
+          </a:p>
+        </p:txBody>
+      </p:sp>
+      <p:sp>
+        <p:nvSpPr>
+          <p:cNvPr id="28" name="Rectangle 15"/>
+          <p:cNvSpPr/>
+          <p:nvPr/>
+        </p:nvSpPr>
+        <p:spPr>
+          <a:xfrm>
+            <a:off x="1140460" y="2415540"/>
+            <a:ext cx="1496695" cy="610870"/>
+          </a:xfrm>
+          <a:prstGeom prst="rect">
+            <a:avLst/>
+          </a:prstGeom>
+        </p:spPr>
+        <p:style>
+          <a:lnRef idx="0">
+            <a:schemeClr val="accent3"/>
+          </a:lnRef>
+          <a:fillRef idx="3">
+            <a:schemeClr val="accent3"/>
+          </a:fillRef>
+          <a:effectRef idx="3">
+            <a:schemeClr val="accent3"/>
+          </a:effectRef>
+          <a:fontRef idx="minor">
+            <a:schemeClr val="lt1"/>
+          </a:fontRef>
+        </p:style>
+        <p:txBody>
+          <a:bodyPr rtlCol="0" anchor="ctr"/>
+          <a:p>
+            <a:pPr algn="ctr"/>
+            <a:r>
+              <a:rPr lang="en-US" altLang="en-GB" dirty="0"/>
+              <a:t>IO</a:t>
+            </a:r>
+            <a:endParaRPr lang="en-US" altLang="en-GB" dirty="0"/>
+          </a:p>
+        </p:txBody>
+      </p:sp>
+      <p:sp>
+        <p:nvSpPr>
+          <p:cNvPr id="29" name="Rectangle 15"/>
+          <p:cNvSpPr/>
+          <p:nvPr/>
+        </p:nvSpPr>
+        <p:spPr>
+          <a:xfrm>
+            <a:off x="2764155" y="2427605"/>
+            <a:ext cx="1496695" cy="610870"/>
+          </a:xfrm>
+          <a:prstGeom prst="rect">
+            <a:avLst/>
+          </a:prstGeom>
+        </p:spPr>
+        <p:style>
+          <a:lnRef idx="0">
+            <a:schemeClr val="accent3"/>
+          </a:lnRef>
+          <a:fillRef idx="3">
+            <a:schemeClr val="accent3"/>
+          </a:fillRef>
+          <a:effectRef idx="3">
+            <a:schemeClr val="accent3"/>
+          </a:effectRef>
+          <a:fontRef idx="minor">
+            <a:schemeClr val="lt1"/>
+          </a:fontRef>
+        </p:style>
+        <p:txBody>
+          <a:bodyPr rtlCol="0" anchor="ctr"/>
+          <a:p>
+            <a:pPr algn="ctr"/>
+            <a:r>
+              <a:rPr lang="en-US" altLang="en-GB" dirty="0"/>
+              <a:t>GPIO</a:t>
+            </a:r>
+            <a:endParaRPr lang="en-US" altLang="en-GB" dirty="0"/>
+          </a:p>
+        </p:txBody>
+      </p:sp>
+      <p:sp>
+        <p:nvSpPr>
+          <p:cNvPr id="30" name="Rectangle 15"/>
+          <p:cNvSpPr/>
+          <p:nvPr/>
+        </p:nvSpPr>
+        <p:spPr>
+          <a:xfrm>
+            <a:off x="1140460" y="3140075"/>
+            <a:ext cx="1496695" cy="610870"/>
+          </a:xfrm>
+          <a:prstGeom prst="rect">
+            <a:avLst/>
+          </a:prstGeom>
+        </p:spPr>
+        <p:style>
+          <a:lnRef idx="0">
+            <a:schemeClr val="accent3"/>
+          </a:lnRef>
+          <a:fillRef idx="3">
+            <a:schemeClr val="accent3"/>
+          </a:fillRef>
+          <a:effectRef idx="3">
+            <a:schemeClr val="accent3"/>
+          </a:effectRef>
+          <a:fontRef idx="minor">
+            <a:schemeClr val="lt1"/>
+          </a:fontRef>
+        </p:style>
+        <p:txBody>
+          <a:bodyPr rtlCol="0" anchor="ctr"/>
+          <a:p>
+            <a:pPr algn="ctr"/>
+            <a:r>
+              <a:rPr lang="en-US" altLang="en-GB" dirty="0"/>
+              <a:t>SPI</a:t>
+            </a:r>
+            <a:endParaRPr lang="en-US" altLang="en-GB" dirty="0"/>
+          </a:p>
+        </p:txBody>
+      </p:sp>
+      <p:sp>
+        <p:nvSpPr>
+          <p:cNvPr id="31" name="Rectangle 15"/>
+          <p:cNvSpPr/>
+          <p:nvPr/>
+        </p:nvSpPr>
+        <p:spPr>
+          <a:xfrm>
+            <a:off x="4387850" y="3140075"/>
+            <a:ext cx="1496695" cy="610870"/>
+          </a:xfrm>
+          <a:prstGeom prst="rect">
+            <a:avLst/>
+          </a:prstGeom>
+        </p:spPr>
+        <p:style>
+          <a:lnRef idx="0">
+            <a:schemeClr val="accent3"/>
+          </a:lnRef>
+          <a:fillRef idx="3">
+            <a:schemeClr val="accent3"/>
+          </a:fillRef>
+          <a:effectRef idx="3">
+            <a:schemeClr val="accent3"/>
+          </a:effectRef>
+          <a:fontRef idx="minor">
+            <a:schemeClr val="lt1"/>
+          </a:fontRef>
+        </p:style>
+        <p:txBody>
+          <a:bodyPr rtlCol="0" anchor="ctr"/>
+          <a:p>
+            <a:pPr algn="ctr"/>
+            <a:r>
+              <a:rPr lang="en-US" altLang="en-GB" dirty="0"/>
+              <a:t>...</a:t>
+            </a:r>
+            <a:endParaRPr lang="en-US" altLang="en-GB" dirty="0"/>
+          </a:p>
+        </p:txBody>
+      </p:sp>
+      <p:sp>
+        <p:nvSpPr>
+          <p:cNvPr id="32" name="Rectangle 15"/>
+          <p:cNvSpPr/>
+          <p:nvPr/>
+        </p:nvSpPr>
+        <p:spPr>
+          <a:xfrm>
+            <a:off x="4387850" y="2439670"/>
+            <a:ext cx="1496695" cy="610870"/>
+          </a:xfrm>
+          <a:prstGeom prst="rect">
+            <a:avLst/>
+          </a:prstGeom>
+        </p:spPr>
+        <p:style>
+          <a:lnRef idx="0">
+            <a:schemeClr val="accent3"/>
+          </a:lnRef>
+          <a:fillRef idx="3">
+            <a:schemeClr val="accent3"/>
+          </a:fillRef>
+          <a:effectRef idx="3">
+            <a:schemeClr val="accent3"/>
+          </a:effectRef>
+          <a:fontRef idx="minor">
+            <a:schemeClr val="lt1"/>
+          </a:fontRef>
+        </p:style>
+        <p:txBody>
+          <a:bodyPr rtlCol="0" anchor="ctr"/>
+          <a:p>
+            <a:pPr algn="ctr"/>
+            <a:r>
+              <a:rPr lang="en-US" altLang="en-GB" dirty="0"/>
+              <a:t>USART</a:t>
+            </a:r>
+            <a:endParaRPr lang="en-US" altLang="en-GB" dirty="0"/>
+          </a:p>
+        </p:txBody>
+      </p:sp>
+      <p:sp>
+        <p:nvSpPr>
+          <p:cNvPr id="33" name="Rectangle 15"/>
+          <p:cNvSpPr/>
+          <p:nvPr/>
+        </p:nvSpPr>
+        <p:spPr>
+          <a:xfrm>
+            <a:off x="2764155" y="3140075"/>
+            <a:ext cx="1496695" cy="610870"/>
+          </a:xfrm>
+          <a:prstGeom prst="rect">
+            <a:avLst/>
+          </a:prstGeom>
+        </p:spPr>
+        <p:style>
+          <a:lnRef idx="0">
+            <a:schemeClr val="accent3"/>
+          </a:lnRef>
+          <a:fillRef idx="3">
+            <a:schemeClr val="accent3"/>
+          </a:fillRef>
+          <a:effectRef idx="3">
+            <a:schemeClr val="accent3"/>
+          </a:effectRef>
+          <a:fontRef idx="minor">
+            <a:schemeClr val="lt1"/>
+          </a:fontRef>
+        </p:style>
+        <p:txBody>
+          <a:bodyPr rtlCol="0" anchor="ctr"/>
+          <a:p>
+            <a:pPr algn="ctr"/>
+            <a:r>
+              <a:rPr lang="en-US" altLang="en-GB" dirty="0"/>
+              <a:t>I2C</a:t>
+            </a:r>
+            <a:endParaRPr lang="en-US" altLang="en-GB" dirty="0"/>
+          </a:p>
+        </p:txBody>
+      </p:sp>
+      <p:sp>
+        <p:nvSpPr>
+          <p:cNvPr id="34" name="TextBox 23"/>
+          <p:cNvSpPr txBox="1"/>
+          <p:nvPr/>
+        </p:nvSpPr>
+        <p:spPr>
+          <a:xfrm>
+            <a:off x="6196543" y="2587673"/>
+            <a:ext cx="5774266" cy="1014730"/>
+          </a:xfrm>
+          <a:prstGeom prst="rect">
+            <a:avLst/>
+          </a:prstGeom>
+          <a:noFill/>
+        </p:spPr>
+        <p:txBody>
+          <a:bodyPr wrap="square" rtlCol="0">
+            <a:spAutoFit/>
           </a:bodyPr>
-          <a:lstStyle/>
-          <a:p>
-            <a:r>
-              <a:rPr lang="zh-CN" altLang="en-GB" sz="2000" dirty="0">
-                <a:latin typeface="幼圆" panose="02010509060101010101" pitchFamily="49" charset="-122"/>
-                <a:ea typeface="幼圆" panose="02010509060101010101" pitchFamily="49" charset="-122"/>
-              </a:rPr>
-              <a:t>事件驱动微内核</a:t>
-            </a:r>
-            <a:endParaRPr lang="zh-CN" altLang="en-GB" sz="2000" dirty="0">
+          <a:p>
+            <a:r>
+              <a:rPr lang="zh-CN" altLang="en-US" sz="1200" b="1" dirty="0">
+                <a:solidFill>
+                  <a:srgbClr val="00B050"/>
+                </a:solidFill>
+                <a:latin typeface="幼圆" panose="02010509060101010101" pitchFamily="49" charset="-122"/>
+                <a:ea typeface="幼圆" panose="02010509060101010101" pitchFamily="49" charset="-122"/>
+              </a:rPr>
+              <a:t>LV</a:t>
+            </a:r>
+            <a:r>
+              <a:rPr lang="en-US" altLang="zh-CN" sz="1200" b="1" dirty="0">
+                <a:solidFill>
+                  <a:srgbClr val="00B050"/>
+                </a:solidFill>
+                <a:latin typeface="幼圆" panose="02010509060101010101" pitchFamily="49" charset="-122"/>
+                <a:ea typeface="幼圆" panose="02010509060101010101" pitchFamily="49" charset="-122"/>
+              </a:rPr>
+              <a:t>0</a:t>
+            </a:r>
+            <a:r>
+              <a:rPr lang="zh-CN" altLang="en-US" sz="1200" b="1" dirty="0">
+                <a:solidFill>
+                  <a:srgbClr val="00B050"/>
+                </a:solidFill>
+                <a:latin typeface="幼圆" panose="02010509060101010101" pitchFamily="49" charset="-122"/>
+                <a:ea typeface="幼圆" panose="02010509060101010101" pitchFamily="49" charset="-122"/>
+              </a:rPr>
+              <a:t> HAL</a:t>
+            </a:r>
+            <a:r>
+              <a:rPr lang="zh-CN" altLang="en-US" sz="1200" dirty="0">
+                <a:latin typeface="幼圆" panose="02010509060101010101" pitchFamily="49" charset="-122"/>
+                <a:ea typeface="幼圆" panose="02010509060101010101" pitchFamily="49" charset="-122"/>
+              </a:rPr>
+              <a:t>：简化移植的</a:t>
+            </a:r>
+            <a:r>
+              <a:rPr lang="en-US" altLang="zh-CN" sz="1200" dirty="0">
+                <a:latin typeface="幼圆" panose="02010509060101010101" pitchFamily="49" charset="-122"/>
+                <a:ea typeface="幼圆" panose="02010509060101010101" pitchFamily="49" charset="-122"/>
+              </a:rPr>
+              <a:t>HAL</a:t>
+            </a:r>
+            <a:r>
+              <a:rPr lang="zh-CN" altLang="en-US" sz="1200" dirty="0">
+                <a:latin typeface="幼圆" panose="02010509060101010101" pitchFamily="49" charset="-122"/>
+                <a:ea typeface="幼圆" panose="02010509060101010101" pitchFamily="49" charset="-122"/>
+              </a:rPr>
+              <a:t>层，</a:t>
+            </a:r>
+            <a:r>
+              <a:rPr lang="en-US" altLang="zh-CN" sz="1200" dirty="0">
+                <a:latin typeface="幼圆" panose="02010509060101010101" pitchFamily="49" charset="-122"/>
+                <a:ea typeface="幼圆" panose="02010509060101010101" pitchFamily="49" charset="-122"/>
+              </a:rPr>
+              <a:t>VSF</a:t>
+            </a:r>
+            <a:r>
+              <a:rPr lang="zh-CN" altLang="en-US" sz="1200" dirty="0">
+                <a:latin typeface="幼圆" panose="02010509060101010101" pitchFamily="49" charset="-122"/>
+                <a:ea typeface="幼圆" panose="02010509060101010101" pitchFamily="49" charset="-122"/>
+              </a:rPr>
+              <a:t>定义了统一的</a:t>
+            </a:r>
+            <a:r>
+              <a:rPr lang="en-US" altLang="zh-CN" sz="1200" dirty="0">
+                <a:latin typeface="幼圆" panose="02010509060101010101" pitchFamily="49" charset="-122"/>
+                <a:ea typeface="幼圆" panose="02010509060101010101" pitchFamily="49" charset="-122"/>
+              </a:rPr>
+              <a:t>API</a:t>
+            </a:r>
+            <a:r>
+              <a:rPr lang="zh-CN" altLang="en-US" sz="1200" dirty="0">
+                <a:latin typeface="幼圆" panose="02010509060101010101" pitchFamily="49" charset="-122"/>
+                <a:ea typeface="幼圆" panose="02010509060101010101" pitchFamily="49" charset="-122"/>
+              </a:rPr>
+              <a:t>接口。可以依赖</a:t>
+            </a:r>
+            <a:r>
+              <a:rPr lang="en-US" altLang="zh-CN" sz="1200" dirty="0">
+                <a:latin typeface="幼圆" panose="02010509060101010101" pitchFamily="49" charset="-122"/>
+                <a:ea typeface="幼圆" panose="02010509060101010101" pitchFamily="49" charset="-122"/>
+              </a:rPr>
+              <a:t>IP</a:t>
+            </a:r>
+            <a:r>
+              <a:rPr lang="zh-CN" altLang="en-US" sz="1200" dirty="0">
+                <a:latin typeface="幼圆" panose="02010509060101010101" pitchFamily="49" charset="-122"/>
+                <a:ea typeface="幼圆" panose="02010509060101010101" pitchFamily="49" charset="-122"/>
+              </a:rPr>
+              <a:t>核驱动来实现，也可以自己控制寄存器来实现。只能依赖</a:t>
+            </a:r>
+            <a:r>
+              <a:rPr lang="en-US" altLang="zh-CN" sz="1200" dirty="0">
+                <a:latin typeface="幼圆" panose="02010509060101010101" pitchFamily="49" charset="-122"/>
+                <a:ea typeface="幼圆" panose="02010509060101010101" pitchFamily="49" charset="-122"/>
+              </a:rPr>
+              <a:t>VSF</a:t>
+            </a:r>
+            <a:r>
+              <a:rPr lang="zh-CN" altLang="en-US" sz="1200" dirty="0">
+                <a:latin typeface="幼圆" panose="02010509060101010101" pitchFamily="49" charset="-122"/>
+                <a:ea typeface="幼圆" panose="02010509060101010101" pitchFamily="49" charset="-122"/>
+              </a:rPr>
+              <a:t>的</a:t>
+            </a:r>
+            <a:r>
+              <a:rPr lang="en-US" altLang="zh-CN" sz="1200" dirty="0">
+                <a:latin typeface="幼圆" panose="02010509060101010101" pitchFamily="49" charset="-122"/>
+                <a:ea typeface="幼圆" panose="02010509060101010101" pitchFamily="49" charset="-122"/>
+              </a:rPr>
+              <a:t>ARCH</a:t>
+            </a:r>
+            <a:r>
+              <a:rPr lang="zh-CN" altLang="en-US" sz="1200" dirty="0">
+                <a:latin typeface="幼圆" panose="02010509060101010101" pitchFamily="49" charset="-122"/>
+                <a:ea typeface="幼圆" panose="02010509060101010101" pitchFamily="49" charset="-122"/>
+              </a:rPr>
+              <a:t>和</a:t>
+            </a:r>
+            <a:r>
+              <a:rPr lang="en-US" altLang="zh-CN" sz="1200" dirty="0">
+                <a:latin typeface="幼圆" panose="02010509060101010101" pitchFamily="49" charset="-122"/>
+                <a:ea typeface="幼圆" panose="02010509060101010101" pitchFamily="49" charset="-122"/>
+              </a:rPr>
+              <a:t>Utilities</a:t>
+            </a:r>
+            <a:r>
+              <a:rPr lang="zh-CN" altLang="en-US" sz="1200" dirty="0">
+                <a:latin typeface="幼圆" panose="02010509060101010101" pitchFamily="49" charset="-122"/>
+                <a:ea typeface="幼圆" panose="02010509060101010101" pitchFamily="49" charset="-122"/>
+              </a:rPr>
+              <a:t>层。</a:t>
+            </a:r>
+            <a:endParaRPr lang="zh-CN" altLang="en-US" sz="1200" dirty="0">
               <a:latin typeface="幼圆" panose="02010509060101010101" pitchFamily="49" charset="-122"/>
               <a:ea typeface="幼圆" panose="02010509060101010101" pitchFamily="49" charset="-122"/>
             </a:endParaRPr>
           </a:p>
           <a:p>
-            <a:pPr lvl="1"/>
-            <a:r>
-              <a:rPr lang="zh-CN" altLang="en-GB" sz="1710" dirty="0">
-                <a:latin typeface="幼圆" panose="02010509060101010101" pitchFamily="49" charset="-122"/>
-                <a:ea typeface="幼圆" panose="02010509060101010101" pitchFamily="49" charset="-122"/>
-              </a:rPr>
-              <a:t>针对小资源硬件，任务不需要独立堆栈</a:t>
-            </a:r>
-            <a:endParaRPr lang="zh-CN" altLang="en-GB" sz="1710" dirty="0">
+            <a:endParaRPr lang="zh-CN" altLang="en-US" sz="1200" dirty="0">
               <a:latin typeface="幼圆" panose="02010509060101010101" pitchFamily="49" charset="-122"/>
               <a:ea typeface="幼圆" panose="02010509060101010101" pitchFamily="49" charset="-122"/>
             </a:endParaRPr>
           </a:p>
           <a:p>
-            <a:pPr lvl="1"/>
-            <a:r>
-              <a:rPr lang="zh-CN" altLang="en-GB" sz="1710" dirty="0">
-                <a:latin typeface="幼圆" panose="02010509060101010101" pitchFamily="49" charset="-122"/>
-                <a:ea typeface="幼圆" panose="02010509060101010101" pitchFamily="49" charset="-122"/>
-              </a:rPr>
-              <a:t>标准</a:t>
-            </a:r>
-            <a:r>
-              <a:rPr lang="en-US" altLang="zh-CN" sz="1710" dirty="0">
-                <a:latin typeface="幼圆" panose="02010509060101010101" pitchFamily="49" charset="-122"/>
-                <a:ea typeface="幼圆" panose="02010509060101010101" pitchFamily="49" charset="-122"/>
-              </a:rPr>
-              <a:t>IPC</a:t>
-            </a:r>
-            <a:r>
-              <a:rPr lang="zh-CN" altLang="en-US" sz="1710" dirty="0">
-                <a:latin typeface="幼圆" panose="02010509060101010101" pitchFamily="49" charset="-122"/>
-                <a:ea typeface="幼圆" panose="02010509060101010101" pitchFamily="49" charset="-122"/>
-              </a:rPr>
-              <a:t>，中断里可以直接调用部分</a:t>
-            </a:r>
-            <a:r>
-              <a:rPr lang="en-US" altLang="zh-CN" sz="1710" dirty="0">
-                <a:latin typeface="幼圆" panose="02010509060101010101" pitchFamily="49" charset="-122"/>
-                <a:ea typeface="幼圆" panose="02010509060101010101" pitchFamily="49" charset="-122"/>
-              </a:rPr>
-              <a:t>IPC API</a:t>
-            </a:r>
-            <a:endParaRPr lang="zh-CN" altLang="en-GB" sz="1710" dirty="0">
+            <a:r>
+              <a:rPr lang="zh-CN" altLang="en-US" sz="1200" dirty="0">
+                <a:latin typeface="幼圆" panose="02010509060101010101" pitchFamily="49" charset="-122"/>
+                <a:ea typeface="幼圆" panose="02010509060101010101" pitchFamily="49" charset="-122"/>
+              </a:rPr>
+              <a:t>一般每个芯片系列，需要实现一份</a:t>
+            </a:r>
+            <a:r>
+              <a:rPr lang="en-US" altLang="zh-CN" sz="1200" dirty="0">
+                <a:latin typeface="幼圆" panose="02010509060101010101" pitchFamily="49" charset="-122"/>
+                <a:ea typeface="幼圆" panose="02010509060101010101" pitchFamily="49" charset="-122"/>
+              </a:rPr>
+              <a:t>LV0</a:t>
+            </a:r>
+            <a:r>
+              <a:rPr lang="zh-CN" altLang="en-US" sz="1200" dirty="0">
+                <a:latin typeface="幼圆" panose="02010509060101010101" pitchFamily="49" charset="-122"/>
+                <a:ea typeface="幼圆" panose="02010509060101010101" pitchFamily="49" charset="-122"/>
+              </a:rPr>
+              <a:t>驱动。芯片系列中，各个具体芯片型号仅仅需要提供</a:t>
+            </a:r>
+            <a:r>
+              <a:rPr lang="en-US" altLang="zh-CN" sz="1200" dirty="0">
+                <a:latin typeface="幼圆" panose="02010509060101010101" pitchFamily="49" charset="-122"/>
+                <a:ea typeface="幼圆" panose="02010509060101010101" pitchFamily="49" charset="-122"/>
+              </a:rPr>
+              <a:t>device.h</a:t>
+            </a:r>
+            <a:r>
+              <a:rPr lang="zh-CN" altLang="en-US" sz="1200" dirty="0">
+                <a:latin typeface="幼圆" panose="02010509060101010101" pitchFamily="49" charset="-122"/>
+                <a:ea typeface="幼圆" panose="02010509060101010101" pitchFamily="49" charset="-122"/>
+              </a:rPr>
+              <a:t>定义外设的数量和配置</a:t>
+            </a:r>
+            <a:r>
+              <a:rPr lang="zh-CN" altLang="en-US" sz="1200" dirty="0">
+                <a:latin typeface="幼圆" panose="02010509060101010101" pitchFamily="49" charset="-122"/>
+                <a:ea typeface="幼圆" panose="02010509060101010101" pitchFamily="49" charset="-122"/>
+              </a:rPr>
+              <a:t>参数即可。</a:t>
+            </a:r>
+            <a:endParaRPr lang="zh-CN" altLang="en-US" sz="1200" dirty="0">
               <a:latin typeface="幼圆" panose="02010509060101010101" pitchFamily="49" charset="-122"/>
               <a:ea typeface="幼圆" panose="02010509060101010101" pitchFamily="49" charset="-122"/>
             </a:endParaRPr>
           </a:p>
-          <a:p>
-            <a:pPr lvl="1"/>
-            <a:r>
-              <a:rPr lang="zh-CN" altLang="en-GB" sz="1710" dirty="0">
-                <a:latin typeface="幼圆" panose="02010509060101010101" pitchFamily="49" charset="-122"/>
-                <a:ea typeface="幼圆" panose="02010509060101010101" pitchFamily="49" charset="-122"/>
-              </a:rPr>
-              <a:t>可扩展独立堆栈任务</a:t>
-            </a:r>
-            <a:r>
-              <a:rPr lang="en-US" altLang="zh-CN" sz="1710" dirty="0">
-                <a:latin typeface="幼圆" panose="02010509060101010101" pitchFamily="49" charset="-122"/>
-                <a:ea typeface="幼圆" panose="02010509060101010101" pitchFamily="49" charset="-122"/>
-              </a:rPr>
-              <a:t>(</a:t>
-            </a:r>
-            <a:r>
-              <a:rPr lang="zh-CN" altLang="en-US" sz="1710" dirty="0">
-                <a:latin typeface="幼圆" panose="02010509060101010101" pitchFamily="49" charset="-122"/>
-                <a:ea typeface="幼圆" panose="02010509060101010101" pitchFamily="49" charset="-122"/>
-              </a:rPr>
-              <a:t>类似普通</a:t>
-            </a:r>
-            <a:r>
-              <a:rPr lang="en-US" altLang="zh-CN" sz="1710" dirty="0">
-                <a:latin typeface="幼圆" panose="02010509060101010101" pitchFamily="49" charset="-122"/>
-                <a:ea typeface="幼圆" panose="02010509060101010101" pitchFamily="49" charset="-122"/>
-              </a:rPr>
-              <a:t>RTOS)</a:t>
-            </a:r>
-            <a:endParaRPr lang="en-US" altLang="zh-CN" sz="1710" dirty="0">
-              <a:latin typeface="幼圆" panose="02010509060101010101" pitchFamily="49" charset="-122"/>
-              <a:ea typeface="幼圆" panose="02010509060101010101" pitchFamily="49" charset="-122"/>
-            </a:endParaRPr>
-          </a:p>
-          <a:p>
-            <a:pPr lvl="1"/>
-            <a:r>
-              <a:rPr lang="zh-CN" altLang="en-GB" sz="1710" dirty="0">
-                <a:latin typeface="幼圆" panose="02010509060101010101" pitchFamily="49" charset="-122"/>
-                <a:ea typeface="幼圆" panose="02010509060101010101" pitchFamily="49" charset="-122"/>
-              </a:rPr>
-              <a:t>可扩展状态机框架(类似QP)</a:t>
-            </a:r>
-            <a:endParaRPr lang="zh-CN" altLang="en-GB" sz="1710" dirty="0">
-              <a:latin typeface="幼圆" panose="02010509060101010101" pitchFamily="49" charset="-122"/>
-              <a:ea typeface="幼圆" panose="02010509060101010101" pitchFamily="49" charset="-122"/>
-            </a:endParaRPr>
-          </a:p>
-          <a:p>
-            <a:pPr lvl="1"/>
-            <a:r>
-              <a:rPr lang="zh-CN" altLang="en-GB" sz="1710" dirty="0">
-                <a:latin typeface="幼圆" panose="02010509060101010101" pitchFamily="49" charset="-122"/>
-                <a:ea typeface="幼圆" panose="02010509060101010101" pitchFamily="49" charset="-122"/>
-              </a:rPr>
-              <a:t>可以在其他</a:t>
-            </a:r>
-            <a:r>
-              <a:rPr lang="en-US" altLang="zh-CN" sz="1710" dirty="0">
-                <a:latin typeface="幼圆" panose="02010509060101010101" pitchFamily="49" charset="-122"/>
-                <a:ea typeface="幼圆" panose="02010509060101010101" pitchFamily="49" charset="-122"/>
-              </a:rPr>
-              <a:t>RTOS</a:t>
-            </a:r>
-            <a:r>
-              <a:rPr lang="zh-CN" altLang="en-US" sz="1710" dirty="0">
-                <a:latin typeface="幼圆" panose="02010509060101010101" pitchFamily="49" charset="-122"/>
-                <a:ea typeface="幼圆" panose="02010509060101010101" pitchFamily="49" charset="-122"/>
-              </a:rPr>
-              <a:t>或者框架里，使用</a:t>
-            </a:r>
-            <a:r>
-              <a:rPr lang="en-US" altLang="zh-CN" sz="1710" dirty="0">
-                <a:latin typeface="幼圆" panose="02010509060101010101" pitchFamily="49" charset="-122"/>
-                <a:ea typeface="幼圆" panose="02010509060101010101" pitchFamily="49" charset="-122"/>
-              </a:rPr>
-              <a:t>VSF</a:t>
-            </a:r>
-            <a:endParaRPr lang="zh-CN" altLang="en-GB" sz="1710" dirty="0">
-              <a:latin typeface="幼圆" panose="02010509060101010101" pitchFamily="49" charset="-122"/>
-              <a:ea typeface="幼圆" panose="02010509060101010101" pitchFamily="49" charset="-122"/>
-            </a:endParaRPr>
-          </a:p>
-          <a:p>
-            <a:endParaRPr lang="en-GB" sz="2000" dirty="0">
-              <a:latin typeface="幼圆" panose="02010509060101010101" pitchFamily="49" charset="-122"/>
-              <a:ea typeface="幼圆" panose="02010509060101010101" pitchFamily="49" charset="-122"/>
-            </a:endParaRPr>
-          </a:p>
-          <a:p>
-            <a:r>
-              <a:rPr lang="zh-CN" altLang="en-US" sz="2000" dirty="0">
-                <a:latin typeface="幼圆" panose="02010509060101010101" pitchFamily="49" charset="-122"/>
-                <a:ea typeface="幼圆" panose="02010509060101010101" pitchFamily="49" charset="-122"/>
-              </a:rPr>
-              <a:t>为产品而生的方案阶梯</a:t>
-            </a:r>
-            <a:endParaRPr lang="en-GB" altLang="zh-CN" sz="2000" dirty="0">
-              <a:latin typeface="幼圆" panose="02010509060101010101" pitchFamily="49" charset="-122"/>
-              <a:ea typeface="幼圆" panose="02010509060101010101" pitchFamily="49" charset="-122"/>
-            </a:endParaRPr>
-          </a:p>
-          <a:p>
-            <a:pPr lvl="1" algn="l">
-              <a:buClrTx/>
-              <a:buSzTx/>
-            </a:pPr>
-            <a:r>
-              <a:rPr lang="zh-CN" altLang="en-US" sz="1710" dirty="0">
-                <a:latin typeface="幼圆" panose="02010509060101010101" pitchFamily="49" charset="-122"/>
-                <a:ea typeface="幼圆" panose="02010509060101010101" pitchFamily="49" charset="-122"/>
-              </a:rPr>
-              <a:t>VSF提供完整而丰富的协议栈支持：USB主从机、网络、蓝牙、文件系统等等</a:t>
-            </a:r>
-            <a:endParaRPr lang="zh-CN" altLang="en-US" sz="1710" dirty="0">
-              <a:latin typeface="幼圆" panose="02010509060101010101" pitchFamily="49" charset="-122"/>
-              <a:ea typeface="幼圆" panose="02010509060101010101" pitchFamily="49" charset="-122"/>
-            </a:endParaRPr>
-          </a:p>
-          <a:p>
-            <a:pPr lvl="1" algn="l">
-              <a:buClrTx/>
-              <a:buSzTx/>
-            </a:pPr>
-            <a:r>
-              <a:rPr lang="zh-CN" altLang="en-US" sz="1710" dirty="0">
-                <a:latin typeface="幼圆" panose="02010509060101010101" pitchFamily="49" charset="-122"/>
-                <a:ea typeface="幼圆" panose="02010509060101010101" pitchFamily="49" charset="-122"/>
-              </a:rPr>
-              <a:t>对移植第三方模块高度友好的开发环境</a:t>
-            </a:r>
-            <a:endParaRPr lang="zh-CN" altLang="en-US" sz="1710" dirty="0">
-              <a:latin typeface="幼圆" panose="02010509060101010101" pitchFamily="49" charset="-122"/>
-              <a:ea typeface="幼圆" panose="02010509060101010101" pitchFamily="49" charset="-122"/>
-            </a:endParaRPr>
-          </a:p>
-          <a:p>
-            <a:pPr lvl="2"/>
-            <a:r>
-              <a:rPr lang="zh-CN" altLang="en-GB" sz="1500" dirty="0">
-                <a:latin typeface="幼圆" panose="02010509060101010101" pitchFamily="49" charset="-122"/>
-                <a:ea typeface="幼圆" panose="02010509060101010101" pitchFamily="49" charset="-122"/>
-              </a:rPr>
-              <a:t>通过</a:t>
-            </a:r>
-            <a:r>
-              <a:rPr lang="en-US" altLang="zh-CN" sz="1500" dirty="0">
-                <a:latin typeface="幼圆" panose="02010509060101010101" pitchFamily="49" charset="-122"/>
-                <a:ea typeface="幼圆" panose="02010509060101010101" pitchFamily="49" charset="-122"/>
-              </a:rPr>
-              <a:t>VSF</a:t>
-            </a:r>
-            <a:r>
-              <a:rPr lang="zh-CN" altLang="en-US" sz="1500" dirty="0">
-                <a:latin typeface="幼圆" panose="02010509060101010101" pitchFamily="49" charset="-122"/>
-                <a:ea typeface="幼圆" panose="02010509060101010101" pitchFamily="49" charset="-122"/>
-              </a:rPr>
-              <a:t>种的标准接口，一次性移植，全平台使用</a:t>
-            </a:r>
-            <a:r>
-              <a:rPr lang="en-US" altLang="zh-CN" sz="1500" dirty="0">
-                <a:latin typeface="幼圆" panose="02010509060101010101" pitchFamily="49" charset="-122"/>
-                <a:ea typeface="幼圆" panose="02010509060101010101" pitchFamily="49" charset="-122"/>
-              </a:rPr>
-              <a:t>(VSF</a:t>
-            </a:r>
-            <a:r>
-              <a:rPr lang="zh-CN" altLang="en-US" sz="1500" dirty="0">
-                <a:latin typeface="幼圆" panose="02010509060101010101" pitchFamily="49" charset="-122"/>
-                <a:ea typeface="幼圆" panose="02010509060101010101" pitchFamily="49" charset="-122"/>
-              </a:rPr>
-              <a:t>支持的芯片，硬件资源满足要求就可以使用</a:t>
-            </a:r>
-            <a:r>
-              <a:rPr lang="en-US" altLang="zh-CN" sz="1500" dirty="0">
-                <a:latin typeface="幼圆" panose="02010509060101010101" pitchFamily="49" charset="-122"/>
-                <a:ea typeface="幼圆" panose="02010509060101010101" pitchFamily="49" charset="-122"/>
-              </a:rPr>
-              <a:t>)</a:t>
-            </a:r>
-            <a:endParaRPr lang="en-GB" altLang="zh-CN" sz="1500" dirty="0">
-              <a:latin typeface="幼圆" panose="02010509060101010101" pitchFamily="49" charset="-122"/>
-              <a:ea typeface="幼圆" panose="02010509060101010101" pitchFamily="49" charset="-122"/>
-            </a:endParaRPr>
-          </a:p>
-          <a:p>
-            <a:pPr lvl="1" algn="l">
-              <a:buClrTx/>
-              <a:buSzTx/>
-            </a:pPr>
-            <a:r>
-              <a:rPr lang="zh-CN" altLang="en-US" sz="1710" dirty="0">
-                <a:latin typeface="幼圆" panose="02010509060101010101" pitchFamily="49" charset="-122"/>
-                <a:ea typeface="幼圆" panose="02010509060101010101" pitchFamily="49" charset="-122"/>
-              </a:rPr>
-              <a:t>通过“皮肤”对用户基于其他平台开发的历史应用代码提供支持</a:t>
-            </a:r>
-            <a:endParaRPr lang="zh-CN" altLang="en-US" sz="1710" dirty="0">
-              <a:latin typeface="幼圆" panose="02010509060101010101" pitchFamily="49" charset="-122"/>
-              <a:ea typeface="幼圆" panose="02010509060101010101" pitchFamily="49" charset="-122"/>
-            </a:endParaRPr>
-          </a:p>
-          <a:p>
-            <a:pPr lvl="2" algn="l">
-              <a:buClrTx/>
-              <a:buSzTx/>
-            </a:pPr>
-            <a:r>
-              <a:rPr lang="en-US" altLang="zh-CN" sz="1500" dirty="0">
-                <a:latin typeface="幼圆" panose="02010509060101010101" pitchFamily="49" charset="-122"/>
-                <a:ea typeface="幼圆" panose="02010509060101010101" pitchFamily="49" charset="-122"/>
-              </a:rPr>
-              <a:t>支持posix，可以直接编译一些linux的应用</a:t>
-            </a:r>
-            <a:endParaRPr lang="en-US" altLang="zh-CN" sz="1500" dirty="0">
-              <a:latin typeface="幼圆" panose="02010509060101010101" pitchFamily="49" charset="-122"/>
-              <a:ea typeface="幼圆" panose="02010509060101010101" pitchFamily="49" charset="-122"/>
-            </a:endParaRPr>
-          </a:p>
-          <a:p>
-            <a:pPr lvl="2" algn="l">
-              <a:buClrTx/>
-              <a:buSzTx/>
-            </a:pPr>
-            <a:r>
-              <a:rPr lang="en-US" altLang="zh-CN" sz="1500" dirty="0">
-                <a:latin typeface="幼圆" panose="02010509060101010101" pitchFamily="49" charset="-122"/>
-                <a:ea typeface="幼圆" panose="02010509060101010101" pitchFamily="49" charset="-122"/>
-              </a:rPr>
-              <a:t>支持SDL/SDL2</a:t>
-            </a:r>
-            <a:endParaRPr lang="en-US" altLang="zh-CN" sz="1500" dirty="0">
-              <a:latin typeface="幼圆" panose="02010509060101010101" pitchFamily="49" charset="-122"/>
-              <a:ea typeface="幼圆" panose="02010509060101010101" pitchFamily="49" charset="-122"/>
-            </a:endParaRPr>
-          </a:p>
-          <a:p>
-            <a:pPr lvl="2" algn="l">
-              <a:buClrTx/>
-              <a:buSzTx/>
-            </a:pPr>
-            <a:r>
-              <a:rPr lang="en-US" altLang="zh-CN" sz="1500" dirty="0">
-                <a:latin typeface="幼圆" panose="02010509060101010101" pitchFamily="49" charset="-122"/>
-                <a:ea typeface="幼圆" panose="02010509060101010101" pitchFamily="49" charset="-122"/>
-              </a:rPr>
-              <a:t>支持FreeRTOS等</a:t>
-            </a:r>
-            <a:endParaRPr lang="en-US" altLang="zh-CN" sz="1500" dirty="0">
-              <a:latin typeface="幼圆" panose="02010509060101010101" pitchFamily="49" charset="-122"/>
-              <a:ea typeface="幼圆" panose="02010509060101010101" pitchFamily="49" charset="-122"/>
-            </a:endParaRPr>
-          </a:p>
-          <a:p>
-            <a:pPr lvl="1" algn="l">
-              <a:buClrTx/>
-              <a:buSzTx/>
-            </a:pPr>
-            <a:r>
-              <a:rPr lang="zh-CN" altLang="en-US" sz="1710" dirty="0">
-                <a:latin typeface="幼圆" panose="02010509060101010101" pitchFamily="49" charset="-122"/>
-                <a:ea typeface="幼圆" panose="02010509060101010101" pitchFamily="49" charset="-122"/>
-              </a:rPr>
-              <a:t>应用层开发体验统一，多个模块支持声明式的开发方式，不需要了解太多细节</a:t>
-            </a:r>
-            <a:endParaRPr lang="zh-CN" altLang="en-US" sz="1710" dirty="0">
-              <a:latin typeface="幼圆" panose="02010509060101010101" pitchFamily="49" charset="-122"/>
-              <a:ea typeface="幼圆" panose="02010509060101010101" pitchFamily="49" charset="-122"/>
-            </a:endParaRPr>
-          </a:p>
-          <a:p>
-            <a:pPr lvl="1" algn="l">
-              <a:buClrTx/>
-              <a:buSzTx/>
-            </a:pPr>
-            <a:endParaRPr lang="zh-CN" altLang="en-US" sz="1710" dirty="0">
-              <a:latin typeface="幼圆" panose="02010509060101010101" pitchFamily="49" charset="-122"/>
-              <a:ea typeface="幼圆" panose="02010509060101010101" pitchFamily="49" charset="-122"/>
-            </a:endParaRPr>
-          </a:p>
-          <a:p>
-            <a:r>
-              <a:rPr lang="zh-CN" altLang="en-US" sz="2000" dirty="0">
-                <a:latin typeface="幼圆" panose="02010509060101010101" pitchFamily="49" charset="-122"/>
-                <a:ea typeface="幼圆" panose="02010509060101010101" pitchFamily="49" charset="-122"/>
-              </a:rPr>
-              <a:t>行业领先的优化</a:t>
-            </a:r>
-            <a:endParaRPr lang="en-GB" altLang="zh-CN" sz="2000" dirty="0">
-              <a:latin typeface="幼圆" panose="02010509060101010101" pitchFamily="49" charset="-122"/>
-              <a:ea typeface="幼圆" panose="02010509060101010101" pitchFamily="49" charset="-122"/>
-            </a:endParaRPr>
-          </a:p>
-          <a:p>
-            <a:pPr lvl="1"/>
-            <a:r>
-              <a:rPr lang="zh-CN" altLang="en-US" sz="1710" dirty="0">
-                <a:latin typeface="幼圆" panose="02010509060101010101" pitchFamily="49" charset="-122"/>
-                <a:ea typeface="幼圆" panose="02010509060101010101" pitchFamily="49" charset="-122"/>
-              </a:rPr>
-              <a:t>相同功能下，比其它主流RTOS更小——适合选取成本更低的芯片</a:t>
-            </a:r>
-            <a:endParaRPr lang="zh-CN" altLang="en-US" sz="1710" dirty="0">
-              <a:latin typeface="幼圆" panose="02010509060101010101" pitchFamily="49" charset="-122"/>
-              <a:ea typeface="幼圆" panose="02010509060101010101" pitchFamily="49" charset="-122"/>
-            </a:endParaRPr>
-          </a:p>
-          <a:p>
-            <a:pPr lvl="1"/>
-            <a:r>
-              <a:rPr lang="zh-CN" altLang="en-US" sz="1710" dirty="0">
-                <a:latin typeface="幼圆" panose="02010509060101010101" pitchFamily="49" charset="-122"/>
-                <a:ea typeface="幼圆" panose="02010509060101010101" pitchFamily="49" charset="-122"/>
-              </a:rPr>
-              <a:t>高度可裁剪，覆盖从8051、Cortex-M、Cortex-A到PC的完整开发生态</a:t>
-            </a:r>
-            <a:endParaRPr lang="en-GB" sz="1800" dirty="0">
+        </p:txBody>
+      </p:sp>
+      <p:sp>
+        <p:nvSpPr>
+          <p:cNvPr id="36" name="Rectangle 14"/>
+          <p:cNvSpPr/>
+          <p:nvPr/>
+        </p:nvSpPr>
+        <p:spPr>
+          <a:xfrm>
+            <a:off x="660400" y="4066540"/>
+            <a:ext cx="5342255" cy="1494155"/>
+          </a:xfrm>
+          <a:prstGeom prst="rect">
+            <a:avLst/>
+          </a:prstGeom>
+        </p:spPr>
+        <p:style>
+          <a:lnRef idx="0">
+            <a:schemeClr val="accent4"/>
+          </a:lnRef>
+          <a:fillRef idx="3">
+            <a:schemeClr val="accent4"/>
+          </a:fillRef>
+          <a:effectRef idx="3">
+            <a:schemeClr val="accent4"/>
+          </a:effectRef>
+          <a:fontRef idx="minor">
+            <a:schemeClr val="lt1"/>
+          </a:fontRef>
+        </p:style>
+        <p:txBody>
+          <a:bodyPr rtlCol="0" anchor="ctr"/>
+          <a:p>
+            <a:pPr algn="l" fontAlgn="ctr"/>
+            <a:r>
+              <a:rPr lang="en-US" altLang="en-GB" dirty="0"/>
+              <a:t>IP</a:t>
+            </a:r>
+            <a:endParaRPr lang="en-US" altLang="en-GB" dirty="0"/>
+          </a:p>
+        </p:txBody>
+      </p:sp>
+      <p:sp>
+        <p:nvSpPr>
+          <p:cNvPr id="37" name="Rectangle 15"/>
+          <p:cNvSpPr/>
+          <p:nvPr/>
+        </p:nvSpPr>
+        <p:spPr>
+          <a:xfrm>
+            <a:off x="1140460" y="4133850"/>
+            <a:ext cx="1496695" cy="610870"/>
+          </a:xfrm>
+          <a:prstGeom prst="rect">
+            <a:avLst/>
+          </a:prstGeom>
+        </p:spPr>
+        <p:style>
+          <a:lnRef idx="0">
+            <a:schemeClr val="accent3"/>
+          </a:lnRef>
+          <a:fillRef idx="3">
+            <a:schemeClr val="accent3"/>
+          </a:fillRef>
+          <a:effectRef idx="3">
+            <a:schemeClr val="accent3"/>
+          </a:effectRef>
+          <a:fontRef idx="minor">
+            <a:schemeClr val="lt1"/>
+          </a:fontRef>
+        </p:style>
+        <p:txBody>
+          <a:bodyPr rtlCol="0" anchor="ctr"/>
+          <a:p>
+            <a:pPr algn="ctr"/>
+            <a:r>
+              <a:rPr lang="en-US" altLang="en-GB" dirty="0"/>
+              <a:t>Synopsys.</a:t>
+            </a:r>
+            <a:endParaRPr lang="en-US" altLang="en-GB" dirty="0"/>
+          </a:p>
+          <a:p>
+            <a:pPr algn="ctr"/>
+            <a:r>
+              <a:rPr lang="en-US" altLang="en-GB" dirty="0"/>
+              <a:t>dwc_apb_i2c</a:t>
+            </a:r>
+            <a:endParaRPr lang="en-US" altLang="en-GB" dirty="0"/>
+          </a:p>
+        </p:txBody>
+      </p:sp>
+      <p:sp>
+        <p:nvSpPr>
+          <p:cNvPr id="38" name="Rectangle 15"/>
+          <p:cNvSpPr/>
+          <p:nvPr/>
+        </p:nvSpPr>
+        <p:spPr>
+          <a:xfrm>
+            <a:off x="2764155" y="4145915"/>
+            <a:ext cx="1496695" cy="610870"/>
+          </a:xfrm>
+          <a:prstGeom prst="rect">
+            <a:avLst/>
+          </a:prstGeom>
+        </p:spPr>
+        <p:style>
+          <a:lnRef idx="0">
+            <a:schemeClr val="accent3"/>
+          </a:lnRef>
+          <a:fillRef idx="3">
+            <a:schemeClr val="accent3"/>
+          </a:fillRef>
+          <a:effectRef idx="3">
+            <a:schemeClr val="accent3"/>
+          </a:effectRef>
+          <a:fontRef idx="minor">
+            <a:schemeClr val="lt1"/>
+          </a:fontRef>
+        </p:style>
+        <p:txBody>
+          <a:bodyPr rtlCol="0" anchor="ctr"/>
+          <a:p>
+            <a:pPr algn="ctr"/>
+            <a:r>
+              <a:rPr lang="en-US" altLang="en-GB" dirty="0"/>
+              <a:t>ARM.PL001</a:t>
+            </a:r>
+            <a:endParaRPr lang="en-US" altLang="en-GB" dirty="0"/>
+          </a:p>
+        </p:txBody>
+      </p:sp>
+      <p:sp>
+        <p:nvSpPr>
+          <p:cNvPr id="39" name="Rectangle 15"/>
+          <p:cNvSpPr/>
+          <p:nvPr/>
+        </p:nvSpPr>
+        <p:spPr>
+          <a:xfrm>
+            <a:off x="1140460" y="4858385"/>
+            <a:ext cx="1496695" cy="610870"/>
+          </a:xfrm>
+          <a:prstGeom prst="rect">
+            <a:avLst/>
+          </a:prstGeom>
+        </p:spPr>
+        <p:style>
+          <a:lnRef idx="0">
+            <a:schemeClr val="accent3"/>
+          </a:lnRef>
+          <a:fillRef idx="3">
+            <a:schemeClr val="accent3"/>
+          </a:fillRef>
+          <a:effectRef idx="3">
+            <a:schemeClr val="accent3"/>
+          </a:effectRef>
+          <a:fontRef idx="minor">
+            <a:schemeClr val="lt1"/>
+          </a:fontRef>
+        </p:style>
+        <p:txBody>
+          <a:bodyPr rtlCol="0" anchor="ctr"/>
+          <a:p>
+            <a:pPr algn="ctr"/>
+            <a:r>
+              <a:rPr lang="en-US" altLang="en-GB" dirty="0"/>
+              <a:t>...</a:t>
+            </a:r>
+            <a:endParaRPr lang="en-US" altLang="en-GB" dirty="0"/>
+          </a:p>
+        </p:txBody>
+      </p:sp>
+      <p:sp>
+        <p:nvSpPr>
+          <p:cNvPr id="40" name="Rectangle 15"/>
+          <p:cNvSpPr/>
+          <p:nvPr/>
+        </p:nvSpPr>
+        <p:spPr>
+          <a:xfrm>
+            <a:off x="4387850" y="4858385"/>
+            <a:ext cx="1496695" cy="610870"/>
+          </a:xfrm>
+          <a:prstGeom prst="rect">
+            <a:avLst/>
+          </a:prstGeom>
+        </p:spPr>
+        <p:style>
+          <a:lnRef idx="0">
+            <a:schemeClr val="accent3"/>
+          </a:lnRef>
+          <a:fillRef idx="3">
+            <a:schemeClr val="accent3"/>
+          </a:fillRef>
+          <a:effectRef idx="3">
+            <a:schemeClr val="accent3"/>
+          </a:effectRef>
+          <a:fontRef idx="minor">
+            <a:schemeClr val="lt1"/>
+          </a:fontRef>
+        </p:style>
+        <p:txBody>
+          <a:bodyPr rtlCol="0" anchor="ctr"/>
+          <a:p>
+            <a:pPr algn="ctr"/>
+            <a:r>
+              <a:rPr lang="en-US" altLang="en-GB" dirty="0"/>
+              <a:t>...</a:t>
+            </a:r>
+            <a:endParaRPr lang="en-US" altLang="en-GB" dirty="0"/>
+          </a:p>
+        </p:txBody>
+      </p:sp>
+      <p:sp>
+        <p:nvSpPr>
+          <p:cNvPr id="41" name="Rectangle 15"/>
+          <p:cNvSpPr/>
+          <p:nvPr/>
+        </p:nvSpPr>
+        <p:spPr>
+          <a:xfrm>
+            <a:off x="4387850" y="4157980"/>
+            <a:ext cx="1496695" cy="610870"/>
+          </a:xfrm>
+          <a:prstGeom prst="rect">
+            <a:avLst/>
+          </a:prstGeom>
+        </p:spPr>
+        <p:style>
+          <a:lnRef idx="0">
+            <a:schemeClr val="accent3"/>
+          </a:lnRef>
+          <a:fillRef idx="3">
+            <a:schemeClr val="accent3"/>
+          </a:fillRef>
+          <a:effectRef idx="3">
+            <a:schemeClr val="accent3"/>
+          </a:effectRef>
+          <a:fontRef idx="minor">
+            <a:schemeClr val="lt1"/>
+          </a:fontRef>
+        </p:style>
+        <p:txBody>
+          <a:bodyPr rtlCol="0" anchor="ctr"/>
+          <a:p>
+            <a:pPr algn="ctr"/>
+            <a:r>
+              <a:rPr lang="en-US" altLang="zh-CN" dirty="0"/>
+              <a:t>...</a:t>
+            </a:r>
+            <a:endParaRPr lang="en-US" altLang="zh-CN" dirty="0"/>
+          </a:p>
+        </p:txBody>
+      </p:sp>
+      <p:sp>
+        <p:nvSpPr>
+          <p:cNvPr id="42" name="Rectangle 15"/>
+          <p:cNvSpPr/>
+          <p:nvPr/>
+        </p:nvSpPr>
+        <p:spPr>
+          <a:xfrm>
+            <a:off x="2764155" y="4858385"/>
+            <a:ext cx="1496695" cy="610870"/>
+          </a:xfrm>
+          <a:prstGeom prst="rect">
+            <a:avLst/>
+          </a:prstGeom>
+        </p:spPr>
+        <p:style>
+          <a:lnRef idx="0">
+            <a:schemeClr val="accent3"/>
+          </a:lnRef>
+          <a:fillRef idx="3">
+            <a:schemeClr val="accent3"/>
+          </a:fillRef>
+          <a:effectRef idx="3">
+            <a:schemeClr val="accent3"/>
+          </a:effectRef>
+          <a:fontRef idx="minor">
+            <a:schemeClr val="lt1"/>
+          </a:fontRef>
+        </p:style>
+        <p:txBody>
+          <a:bodyPr rtlCol="0" anchor="ctr"/>
+          <a:p>
+            <a:pPr algn="ctr"/>
+            <a:r>
+              <a:rPr lang="en-US" altLang="en-GB" dirty="0"/>
+              <a:t>...</a:t>
+            </a:r>
+            <a:endParaRPr lang="en-US" altLang="en-GB" dirty="0"/>
+          </a:p>
+        </p:txBody>
+      </p:sp>
+      <p:sp>
+        <p:nvSpPr>
+          <p:cNvPr id="43" name="TextBox 23"/>
+          <p:cNvSpPr txBox="1"/>
+          <p:nvPr/>
+        </p:nvSpPr>
+        <p:spPr>
+          <a:xfrm>
+            <a:off x="6195908" y="4583478"/>
+            <a:ext cx="5774266" cy="460375"/>
+          </a:xfrm>
+          <a:prstGeom prst="rect">
+            <a:avLst/>
+          </a:prstGeom>
+          <a:noFill/>
+        </p:spPr>
+        <p:txBody>
+          <a:bodyPr wrap="square" rtlCol="0">
+            <a:spAutoFit/>
+          </a:bodyPr>
+          <a:p>
+            <a:r>
+              <a:rPr lang="zh-CN" altLang="en-US" sz="1200" b="1" dirty="0">
+                <a:solidFill>
+                  <a:srgbClr val="00B050"/>
+                </a:solidFill>
+                <a:latin typeface="幼圆" panose="02010509060101010101" pitchFamily="49" charset="-122"/>
+                <a:ea typeface="幼圆" panose="02010509060101010101" pitchFamily="49" charset="-122"/>
+              </a:rPr>
+              <a:t>IP核驱动</a:t>
+            </a:r>
+            <a:r>
+              <a:rPr lang="zh-CN" altLang="en-US" sz="1200" dirty="0">
+                <a:latin typeface="幼圆" panose="02010509060101010101" pitchFamily="49" charset="-122"/>
+                <a:ea typeface="幼圆" panose="02010509060101010101" pitchFamily="49" charset="-122"/>
+              </a:rPr>
+              <a:t>：针对特定的</a:t>
+            </a:r>
+            <a:r>
+              <a:rPr lang="en-US" altLang="zh-CN" sz="1200" dirty="0">
+                <a:latin typeface="幼圆" panose="02010509060101010101" pitchFamily="49" charset="-122"/>
+                <a:ea typeface="幼圆" panose="02010509060101010101" pitchFamily="49" charset="-122"/>
+              </a:rPr>
+              <a:t>IP</a:t>
+            </a:r>
+            <a:r>
+              <a:rPr lang="zh-CN" altLang="en-US" sz="1200" dirty="0">
+                <a:latin typeface="幼圆" panose="02010509060101010101" pitchFamily="49" charset="-122"/>
+                <a:ea typeface="幼圆" panose="02010509060101010101" pitchFamily="49" charset="-122"/>
+              </a:rPr>
+              <a:t>核实现的驱动，可以通过这个实现</a:t>
+            </a:r>
+            <a:r>
+              <a:rPr lang="en-US" altLang="zh-CN" sz="1200" dirty="0">
+                <a:latin typeface="幼圆" panose="02010509060101010101" pitchFamily="49" charset="-122"/>
+                <a:ea typeface="幼圆" panose="02010509060101010101" pitchFamily="49" charset="-122"/>
+              </a:rPr>
+              <a:t>LV0</a:t>
+            </a:r>
+            <a:r>
+              <a:rPr lang="zh-CN" altLang="en-US" sz="1200" dirty="0">
+                <a:latin typeface="幼圆" panose="02010509060101010101" pitchFamily="49" charset="-122"/>
+                <a:ea typeface="幼圆" panose="02010509060101010101" pitchFamily="49" charset="-122"/>
+              </a:rPr>
+              <a:t>驱动，不规定</a:t>
+            </a:r>
+            <a:r>
+              <a:rPr lang="en-US" altLang="zh-CN" sz="1200" dirty="0">
+                <a:latin typeface="幼圆" panose="02010509060101010101" pitchFamily="49" charset="-122"/>
+                <a:ea typeface="幼圆" panose="02010509060101010101" pitchFamily="49" charset="-122"/>
+              </a:rPr>
+              <a:t>API</a:t>
+            </a:r>
+            <a:r>
+              <a:rPr lang="zh-CN" altLang="en-US" sz="1200" dirty="0">
+                <a:latin typeface="幼圆" panose="02010509060101010101" pitchFamily="49" charset="-122"/>
+                <a:ea typeface="幼圆" panose="02010509060101010101" pitchFamily="49" charset="-122"/>
+              </a:rPr>
+              <a:t>接口。</a:t>
+            </a:r>
+            <a:endParaRPr lang="zh-CN" altLang="en-US" sz="1200" dirty="0">
               <a:latin typeface="幼圆" panose="02010509060101010101" pitchFamily="49" charset="-122"/>
               <a:ea typeface="幼圆" panose="02010509060101010101" pitchFamily="49" charset="-122"/>
             </a:endParaRPr>
@@ -4840,7 +5810,7 @@
       </p:grpSpPr>
       <p:sp>
         <p:nvSpPr>
-          <p:cNvPr id="4" name="Title 1"/>
+          <p:cNvPr id="2" name="Title 1"/>
           <p:cNvSpPr>
             <a:spLocks noGrp="1"/>
           </p:cNvSpPr>
@@ -4855,9 +5825,7 @@
           </a:xfrm>
         </p:spPr>
         <p:txBody>
-          <a:bodyPr>
-            <a:normAutofit/>
-          </a:bodyPr>
+          <a:bodyPr/>
           <a:lstStyle/>
           <a:p>
             <a:r>
@@ -4868,29 +5836,9 @@
                 <a:latin typeface="幼圆" panose="02010509060101010101" pitchFamily="49" charset="-122"/>
                 <a:ea typeface="幼圆" panose="02010509060101010101" pitchFamily="49" charset="-122"/>
               </a:rPr>
-              <a:t>面向</a:t>
-            </a:r>
-            <a:r>
-              <a:rPr lang="en-US" altLang="zh-CN" dirty="0">
-                <a:solidFill>
-                  <a:srgbClr val="00B050"/>
-                </a:solidFill>
-                <a:latin typeface="幼圆" panose="02010509060101010101" pitchFamily="49" charset="-122"/>
-                <a:ea typeface="幼圆" panose="02010509060101010101" pitchFamily="49" charset="-122"/>
-              </a:rPr>
-              <a:t>MCU</a:t>
-            </a:r>
-            <a:r>
-              <a:rPr lang="zh-CN" altLang="en-US" dirty="0">
-                <a:solidFill>
-                  <a:srgbClr val="00B050"/>
-                </a:solidFill>
-                <a:latin typeface="幼圆" panose="02010509060101010101" pitchFamily="49" charset="-122"/>
-                <a:ea typeface="幼圆" panose="02010509060101010101" pitchFamily="49" charset="-122"/>
-              </a:rPr>
-              <a:t>芯片厂家，简化软件支持</a:t>
-            </a:r>
-            <a:endParaRPr lang="en-US" altLang="zh-CN" dirty="0">
+              <a:t>面向用户解困的设计思路</a:t>
+            </a:r>
+            <a:endParaRPr lang="en-GB" dirty="0">
               <a:solidFill>
                 <a:srgbClr val="00B050"/>
               </a:solidFill>
@@ -4902,7 +5850,7 @@
       </p:sp>
       <p:sp>
         <p:nvSpPr>
-          <p:cNvPr id="5" name="Content Placeholder 2"/>
+          <p:cNvPr id="3" name="Content Placeholder 2"/>
           <p:cNvSpPr>
             <a:spLocks noGrp="1"/>
           </p:cNvSpPr>
@@ -4918,7 +5866,7 @@
         </p:spPr>
         <p:txBody>
           <a:bodyPr>
-            <a:normAutofit lnSpcReduction="10000"/>
+            <a:normAutofit fontScale="90000" lnSpcReduction="20000"/>
           </a:bodyPr>
           <a:lstStyle/>
           <a:p>
@@ -4927,21 +5875,7 @@
                 <a:latin typeface="幼圆" panose="02010509060101010101" pitchFamily="49" charset="-122"/>
                 <a:ea typeface="幼圆" panose="02010509060101010101" pitchFamily="49" charset="-122"/>
               </a:rPr>
-              <a:t>多层次</a:t>
-            </a:r>
-            <a:r>
-              <a:rPr lang="en-US" altLang="zh-CN" sz="2000" dirty="0">
-                <a:latin typeface="幼圆" panose="02010509060101010101" pitchFamily="49" charset="-122"/>
-                <a:ea typeface="幼圆" panose="02010509060101010101" pitchFamily="49" charset="-122"/>
-              </a:rPr>
-              <a:t>HAL</a:t>
-            </a:r>
-            <a:r>
-              <a:rPr lang="zh-CN" altLang="en-US" sz="2000" dirty="0">
-                <a:latin typeface="幼圆" panose="02010509060101010101" pitchFamily="49" charset="-122"/>
-                <a:ea typeface="幼圆" panose="02010509060101010101" pitchFamily="49" charset="-122"/>
-              </a:rPr>
-              <a:t>系统，满足用户的不同需求</a:t>
+              <a:t>事件驱动微内核</a:t>
             </a:r>
             <a:endParaRPr lang="zh-CN" altLang="en-GB" sz="2000" dirty="0">
               <a:latin typeface="幼圆" panose="02010509060101010101" pitchFamily="49" charset="-122"/>
@@ -4951,18 +5885,11 @@
           <a:p>
             <a:pPr lvl="1"/>
             <a:r>
-              <a:rPr lang="en-US" altLang="zh-CN" sz="1710" dirty="0">
-                <a:latin typeface="幼圆" panose="02010509060101010101" pitchFamily="49" charset="-122"/>
-                <a:ea typeface="幼圆" panose="02010509060101010101" pitchFamily="49" charset="-122"/>
-              </a:rPr>
-              <a:t>Level0: </a:t>
-            </a:r>
-            <a:r>
-              <a:rPr lang="zh-CN" altLang="en-US" sz="1710" dirty="0">
-                <a:latin typeface="幼圆" panose="02010509060101010101" pitchFamily="49" charset="-122"/>
-                <a:ea typeface="幼圆" panose="02010509060101010101" pitchFamily="49" charset="-122"/>
-              </a:rPr>
-              <a:t>直接访问硬件的最底层驱动</a:t>
+              <a:rPr lang="zh-CN" altLang="en-GB" sz="1710" dirty="0">
+                <a:latin typeface="幼圆" panose="02010509060101010101" pitchFamily="49" charset="-122"/>
+                <a:ea typeface="幼圆" panose="02010509060101010101" pitchFamily="49" charset="-122"/>
+              </a:rPr>
+              <a:t>针对小资源硬件，任务不需要独立堆栈</a:t>
             </a:r>
             <a:endParaRPr lang="zh-CN" altLang="en-GB" sz="1710" dirty="0">
               <a:latin typeface="幼圆" panose="02010509060101010101" pitchFamily="49" charset="-122"/>
@@ -4972,48 +5899,69 @@
           <a:p>
             <a:pPr lvl="1"/>
             <a:r>
+              <a:rPr lang="zh-CN" altLang="en-GB" sz="1710" dirty="0">
+                <a:latin typeface="幼圆" panose="02010509060101010101" pitchFamily="49" charset="-122"/>
+                <a:ea typeface="幼圆" panose="02010509060101010101" pitchFamily="49" charset="-122"/>
+              </a:rPr>
+              <a:t>标准</a:t>
+            </a:r>
+            <a:r>
               <a:rPr lang="en-US" altLang="zh-CN" sz="1710" dirty="0">
                 <a:latin typeface="幼圆" panose="02010509060101010101" pitchFamily="49" charset="-122"/>
                 <a:ea typeface="幼圆" panose="02010509060101010101" pitchFamily="49" charset="-122"/>
               </a:rPr>
-              <a:t>Level1: </a:t>
+              <a:t>IPC</a:t>
             </a:r>
             <a:r>
               <a:rPr lang="zh-CN" altLang="en-US" sz="1710" dirty="0">
                 <a:latin typeface="幼圆" panose="02010509060101010101" pitchFamily="49" charset="-122"/>
                 <a:ea typeface="幼圆" panose="02010509060101010101" pitchFamily="49" charset="-122"/>
               </a:rPr>
-              <a:t>在</a:t>
-            </a:r>
-            <a:r>
-              <a:rPr lang="en-GB" altLang="zh-CN" sz="1710" dirty="0">
-                <a:latin typeface="幼圆" panose="02010509060101010101" pitchFamily="49" charset="-122"/>
-                <a:ea typeface="幼圆" panose="02010509060101010101" pitchFamily="49" charset="-122"/>
-              </a:rPr>
-              <a:t>Level0</a:t>
-            </a:r>
-            <a:r>
-              <a:rPr lang="zh-CN" altLang="en-US" sz="1710" dirty="0">
-                <a:latin typeface="幼圆" panose="02010509060101010101" pitchFamily="49" charset="-122"/>
-                <a:ea typeface="幼圆" panose="02010509060101010101" pitchFamily="49" charset="-122"/>
-              </a:rPr>
-              <a:t>驱动基础上进行二次封装的驱动，</a:t>
-            </a:r>
-            <a:endParaRPr lang="en-GB" altLang="zh-CN" sz="1710" dirty="0">
+              <a:t>，中断里可以直接调用部分</a:t>
+            </a:r>
+            <a:r>
+              <a:rPr lang="en-US" altLang="zh-CN" sz="1710" dirty="0">
+                <a:latin typeface="幼圆" panose="02010509060101010101" pitchFamily="49" charset="-122"/>
+                <a:ea typeface="幼圆" panose="02010509060101010101" pitchFamily="49" charset="-122"/>
+              </a:rPr>
+              <a:t>IPC API</a:t>
+            </a:r>
+            <a:endParaRPr lang="zh-CN" altLang="en-GB" sz="1710" dirty="0">
               <a:latin typeface="幼圆" panose="02010509060101010101" pitchFamily="49" charset="-122"/>
               <a:ea typeface="幼圆" panose="02010509060101010101" pitchFamily="49" charset="-122"/>
             </a:endParaRPr>
           </a:p>
           <a:p>
-            <a:pPr lvl="2"/>
-            <a:r>
-              <a:rPr lang="zh-CN" altLang="en-US" sz="1310" dirty="0">
-                <a:latin typeface="幼圆" panose="02010509060101010101" pitchFamily="49" charset="-122"/>
-                <a:ea typeface="幼圆" panose="02010509060101010101" pitchFamily="49" charset="-122"/>
-              </a:rPr>
-              <a:t>封装后功能有所增强，对用户更为友好，使用更为简单</a:t>
-            </a:r>
-            <a:endParaRPr lang="zh-CN" altLang="en-GB" sz="1310" dirty="0">
+            <a:pPr lvl="1"/>
+            <a:r>
+              <a:rPr lang="zh-CN" altLang="en-GB" sz="1710" dirty="0">
+                <a:latin typeface="幼圆" panose="02010509060101010101" pitchFamily="49" charset="-122"/>
+                <a:ea typeface="幼圆" panose="02010509060101010101" pitchFamily="49" charset="-122"/>
+              </a:rPr>
+              <a:t>可扩展独立堆栈任务</a:t>
+            </a:r>
+            <a:r>
+              <a:rPr lang="en-US" altLang="zh-CN" sz="1710" dirty="0">
+                <a:latin typeface="幼圆" panose="02010509060101010101" pitchFamily="49" charset="-122"/>
+                <a:ea typeface="幼圆" panose="02010509060101010101" pitchFamily="49" charset="-122"/>
+              </a:rPr>
+              <a:t>(</a:t>
+            </a:r>
+            <a:r>
+              <a:rPr lang="zh-CN" altLang="en-US" sz="1710" dirty="0">
+                <a:latin typeface="幼圆" panose="02010509060101010101" pitchFamily="49" charset="-122"/>
+                <a:ea typeface="幼圆" panose="02010509060101010101" pitchFamily="49" charset="-122"/>
+              </a:rPr>
+              <a:t>类似普通</a:t>
+            </a:r>
+            <a:r>
+              <a:rPr lang="en-US" altLang="zh-CN" sz="1710" dirty="0">
+                <a:latin typeface="幼圆" panose="02010509060101010101" pitchFamily="49" charset="-122"/>
+                <a:ea typeface="幼圆" panose="02010509060101010101" pitchFamily="49" charset="-122"/>
+              </a:rPr>
+              <a:t>RTOS)</a:t>
+            </a:r>
+            <a:endParaRPr lang="en-US" altLang="zh-CN" sz="1710" dirty="0">
               <a:latin typeface="幼圆" panose="02010509060101010101" pitchFamily="49" charset="-122"/>
               <a:ea typeface="幼圆" panose="02010509060101010101" pitchFamily="49" charset="-122"/>
             </a:endParaRPr>
@@ -5021,75 +5969,53 @@
           <a:p>
             <a:pPr lvl="1"/>
             <a:r>
-              <a:rPr lang="en-US" altLang="zh-CN" sz="1710" dirty="0" err="1">
-                <a:latin typeface="幼圆" panose="02010509060101010101" pitchFamily="49" charset="-122"/>
-                <a:ea typeface="幼圆" panose="02010509060101010101" pitchFamily="49" charset="-122"/>
-              </a:rPr>
-              <a:t>osa_hal</a:t>
-            </a:r>
-            <a:r>
-              <a:rPr lang="en-US" altLang="zh-CN" sz="1710" dirty="0">
-                <a:latin typeface="幼圆" panose="02010509060101010101" pitchFamily="49" charset="-122"/>
-                <a:ea typeface="幼圆" panose="02010509060101010101" pitchFamily="49" charset="-122"/>
-              </a:rPr>
-              <a:t>: </a:t>
-            </a:r>
-            <a:r>
-              <a:rPr lang="zh-CN" altLang="en-US" sz="1710" dirty="0">
-                <a:latin typeface="幼圆" panose="02010509060101010101" pitchFamily="49" charset="-122"/>
-                <a:ea typeface="幼圆" panose="02010509060101010101" pitchFamily="49" charset="-122"/>
-              </a:rPr>
-              <a:t>面向特定协议栈的外设驱动接口（包含</a:t>
-            </a:r>
-            <a:r>
-              <a:rPr lang="en-GB" altLang="zh-CN" sz="1710" dirty="0">
-                <a:latin typeface="幼圆" panose="02010509060101010101" pitchFamily="49" charset="-122"/>
-                <a:ea typeface="幼圆" panose="02010509060101010101" pitchFamily="49" charset="-122"/>
-              </a:rPr>
-              <a:t>Level2 </a:t>
-            </a:r>
-            <a:r>
-              <a:rPr lang="en-US" altLang="zh-CN" sz="1710" dirty="0">
-                <a:latin typeface="幼圆" panose="02010509060101010101" pitchFamily="49" charset="-122"/>
-                <a:ea typeface="幼圆" panose="02010509060101010101" pitchFamily="49" charset="-122"/>
-              </a:rPr>
-              <a:t>HAL</a:t>
-            </a:r>
-            <a:r>
-              <a:rPr lang="zh-CN" altLang="en-US" sz="1710" dirty="0">
-                <a:latin typeface="幼圆" panose="02010509060101010101" pitchFamily="49" charset="-122"/>
-                <a:ea typeface="幼圆" panose="02010509060101010101" pitchFamily="49" charset="-122"/>
-              </a:rPr>
-              <a:t>）</a:t>
-            </a:r>
-            <a:endParaRPr lang="en-GB" altLang="zh-CN" sz="1710" dirty="0">
+              <a:rPr lang="zh-CN" altLang="en-GB" sz="1710" dirty="0">
+                <a:latin typeface="幼圆" panose="02010509060101010101" pitchFamily="49" charset="-122"/>
+                <a:ea typeface="幼圆" panose="02010509060101010101" pitchFamily="49" charset="-122"/>
+              </a:rPr>
+              <a:t>可扩展状态机框架(类似QP)</a:t>
+            </a:r>
+            <a:endParaRPr lang="zh-CN" altLang="en-GB" sz="1710" dirty="0">
               <a:latin typeface="幼圆" panose="02010509060101010101" pitchFamily="49" charset="-122"/>
               <a:ea typeface="幼圆" panose="02010509060101010101" pitchFamily="49" charset="-122"/>
             </a:endParaRPr>
           </a:p>
           <a:p>
-            <a:pPr lvl="2"/>
-            <a:r>
-              <a:rPr lang="en-US" altLang="zh-CN" sz="1400" dirty="0">
-                <a:latin typeface="幼圆" panose="02010509060101010101" pitchFamily="49" charset="-122"/>
-                <a:ea typeface="幼圆" panose="02010509060101010101" pitchFamily="49" charset="-122"/>
-              </a:rPr>
-              <a:t>Level2: </a:t>
-            </a:r>
-            <a:r>
-              <a:rPr lang="zh-CN" altLang="en-US" sz="1400" dirty="0">
-                <a:latin typeface="幼圆" panose="02010509060101010101" pitchFamily="49" charset="-122"/>
-                <a:ea typeface="幼圆" panose="02010509060101010101" pitchFamily="49" charset="-122"/>
-              </a:rPr>
-              <a:t>面向具体应用或者客户进行高度定制的驱动接口，可能更友好、尺寸更小或者更强大</a:t>
-            </a:r>
-            <a:endParaRPr lang="zh-CN" altLang="en-US" sz="1310" dirty="0">
+            <a:pPr lvl="1"/>
+            <a:r>
+              <a:rPr lang="zh-CN" altLang="en-GB" sz="1710" dirty="0">
+                <a:latin typeface="幼圆" panose="02010509060101010101" pitchFamily="49" charset="-122"/>
+                <a:ea typeface="幼圆" panose="02010509060101010101" pitchFamily="49" charset="-122"/>
+              </a:rPr>
+              <a:t>可以在其他</a:t>
+            </a:r>
+            <a:r>
+              <a:rPr lang="en-US" altLang="zh-CN" sz="1710" dirty="0">
+                <a:latin typeface="幼圆" panose="02010509060101010101" pitchFamily="49" charset="-122"/>
+                <a:ea typeface="幼圆" panose="02010509060101010101" pitchFamily="49" charset="-122"/>
+              </a:rPr>
+              <a:t>RTOS</a:t>
+            </a:r>
+            <a:r>
+              <a:rPr lang="zh-CN" altLang="en-US" sz="1710" dirty="0">
+                <a:latin typeface="幼圆" panose="02010509060101010101" pitchFamily="49" charset="-122"/>
+                <a:ea typeface="幼圆" panose="02010509060101010101" pitchFamily="49" charset="-122"/>
+              </a:rPr>
+              <a:t>或者框架里，使用</a:t>
+            </a:r>
+            <a:r>
+              <a:rPr lang="en-US" altLang="zh-CN" sz="1710" dirty="0">
+                <a:latin typeface="幼圆" panose="02010509060101010101" pitchFamily="49" charset="-122"/>
+                <a:ea typeface="幼圆" panose="02010509060101010101" pitchFamily="49" charset="-122"/>
+              </a:rPr>
+              <a:t>VSF</a:t>
+            </a:r>
+            <a:endParaRPr lang="zh-CN" altLang="en-GB" sz="1710" dirty="0">
               <a:latin typeface="幼圆" panose="02010509060101010101" pitchFamily="49" charset="-122"/>
               <a:ea typeface="幼圆" panose="02010509060101010101" pitchFamily="49" charset="-122"/>
             </a:endParaRPr>
           </a:p>
           <a:p>
-            <a:pPr lvl="1"/>
             <a:endParaRPr lang="en-GB" sz="2000" dirty="0">
               <a:latin typeface="幼圆" panose="02010509060101010101" pitchFamily="49" charset="-122"/>
               <a:ea typeface="幼圆" panose="02010509060101010101" pitchFamily="49" charset="-122"/>
@@ -5097,11 +6023,11 @@
           </a:p>
           <a:p>
             <a:r>
-              <a:rPr lang="zh-CN" altLang="en-GB" sz="2000" dirty="0">
-                <a:latin typeface="幼圆" panose="02010509060101010101" pitchFamily="49" charset="-122"/>
-                <a:ea typeface="幼圆" panose="02010509060101010101" pitchFamily="49" charset="-122"/>
-              </a:rPr>
-              <a:t>一次移植，多种生态支持</a:t>
+              <a:rPr lang="zh-CN" altLang="en-US" sz="2000" dirty="0">
+                <a:latin typeface="幼圆" panose="02010509060101010101" pitchFamily="49" charset="-122"/>
+                <a:ea typeface="幼圆" panose="02010509060101010101" pitchFamily="49" charset="-122"/>
+              </a:rPr>
+              <a:t>为产品而生的方案阶梯</a:t>
             </a:r>
             <a:endParaRPr lang="en-GB" altLang="zh-CN" sz="2000" dirty="0">
               <a:latin typeface="幼圆" panose="02010509060101010101" pitchFamily="49" charset="-122"/>
@@ -5118,49 +6044,7 @@
                 <a:latin typeface="幼圆" panose="02010509060101010101" pitchFamily="49" charset="-122"/>
                 <a:ea typeface="幼圆" panose="02010509060101010101" pitchFamily="49" charset="-122"/>
               </a:rPr>
-              <a:t>对于新的芯片，只需要移植</a:t>
-            </a:r>
-            <a:r>
-              <a:rPr lang="en-US" altLang="zh-CN" sz="1710" dirty="0">
-                <a:latin typeface="幼圆" panose="02010509060101010101" pitchFamily="49" charset="-122"/>
-                <a:ea typeface="幼圆" panose="02010509060101010101" pitchFamily="49" charset="-122"/>
-              </a:rPr>
-              <a:t>level0</a:t>
-            </a:r>
-            <a:r>
-              <a:rPr lang="zh-CN" altLang="en-US" sz="1710" dirty="0">
-                <a:latin typeface="幼圆" panose="02010509060101010101" pitchFamily="49" charset="-122"/>
-                <a:ea typeface="幼圆" panose="02010509060101010101" pitchFamily="49" charset="-122"/>
-              </a:rPr>
-              <a:t>以及极少部分</a:t>
-            </a:r>
-            <a:r>
-              <a:rPr lang="en-US" altLang="zh-CN" sz="1710" dirty="0">
-                <a:latin typeface="幼圆" panose="02010509060101010101" pitchFamily="49" charset="-122"/>
-                <a:ea typeface="幼圆" panose="02010509060101010101" pitchFamily="49" charset="-122"/>
-              </a:rPr>
-              <a:t>osa_hal</a:t>
-            </a:r>
-            <a:r>
-              <a:rPr lang="zh-CN" altLang="en-US" sz="1710" dirty="0">
-                <a:latin typeface="幼圆" panose="02010509060101010101" pitchFamily="49" charset="-122"/>
-                <a:ea typeface="幼圆" panose="02010509060101010101" pitchFamily="49" charset="-122"/>
-              </a:rPr>
-              <a:t>的外设驱动，就可以使用</a:t>
-            </a:r>
-            <a:r>
-              <a:rPr lang="en-US" altLang="zh-CN" sz="1710" dirty="0">
-                <a:latin typeface="幼圆" panose="02010509060101010101" pitchFamily="49" charset="-122"/>
-                <a:ea typeface="幼圆" panose="02010509060101010101" pitchFamily="49" charset="-122"/>
-              </a:rPr>
-              <a:t>vsf</a:t>
-            </a:r>
-            <a:r>
-              <a:rPr lang="zh-CN" altLang="en-US" sz="1710" dirty="0">
-                <a:latin typeface="幼圆" panose="02010509060101010101" pitchFamily="49" charset="-122"/>
-                <a:ea typeface="幼圆" panose="02010509060101010101" pitchFamily="49" charset="-122"/>
-              </a:rPr>
-              <a:t>中的大部分模块和应用</a:t>
+              <a:t>VSF提供完整而丰富的协议栈支持：USB主从机、网络、蓝牙、文件系统等等</a:t>
             </a:r>
             <a:endParaRPr lang="zh-CN" altLang="en-US" sz="1710" dirty="0">
               <a:latin typeface="幼圆" panose="02010509060101010101" pitchFamily="49" charset="-122"/>
@@ -5173,34 +6057,62 @@
               <a:buSzTx/>
             </a:pPr>
             <a:r>
-              <a:rPr lang="en-US" altLang="zh-CN" sz="1710" dirty="0">
+              <a:rPr lang="zh-CN" altLang="en-US" sz="1710" dirty="0">
+                <a:latin typeface="幼圆" panose="02010509060101010101" pitchFamily="49" charset="-122"/>
+                <a:ea typeface="幼圆" panose="02010509060101010101" pitchFamily="49" charset="-122"/>
+              </a:rPr>
+              <a:t>对移植第三方模块高度友好的开发环境</a:t>
+            </a:r>
+            <a:endParaRPr lang="zh-CN" altLang="en-US" sz="1710" dirty="0">
+              <a:latin typeface="幼圆" panose="02010509060101010101" pitchFamily="49" charset="-122"/>
+              <a:ea typeface="幼圆" panose="02010509060101010101" pitchFamily="49" charset="-122"/>
+            </a:endParaRPr>
+          </a:p>
+          <a:p>
+            <a:pPr lvl="2"/>
+            <a:r>
+              <a:rPr lang="zh-CN" altLang="en-GB" sz="1500" dirty="0">
+                <a:latin typeface="幼圆" panose="02010509060101010101" pitchFamily="49" charset="-122"/>
+                <a:ea typeface="幼圆" panose="02010509060101010101" pitchFamily="49" charset="-122"/>
+              </a:rPr>
+              <a:t>通过</a:t>
+            </a:r>
+            <a:r>
+              <a:rPr lang="en-US" altLang="zh-CN" sz="1500" dirty="0">
                 <a:latin typeface="幼圆" panose="02010509060101010101" pitchFamily="49" charset="-122"/>
                 <a:ea typeface="幼圆" panose="02010509060101010101" pitchFamily="49" charset="-122"/>
               </a:rPr>
               <a:t>VSF</a:t>
             </a:r>
             <a:r>
-              <a:rPr lang="zh-CN" altLang="en-US" sz="1710" dirty="0">
-                <a:latin typeface="幼圆" panose="02010509060101010101" pitchFamily="49" charset="-122"/>
-                <a:ea typeface="幼圆" panose="02010509060101010101" pitchFamily="49" charset="-122"/>
-              </a:rPr>
-              <a:t>会提供一些基于其他平台的扩展，使得</a:t>
-            </a:r>
-            <a:r>
-              <a:rPr lang="en-US" altLang="zh-CN" sz="1710" dirty="0">
-                <a:latin typeface="幼圆" panose="02010509060101010101" pitchFamily="49" charset="-122"/>
-                <a:ea typeface="幼圆" panose="02010509060101010101" pitchFamily="49" charset="-122"/>
-              </a:rPr>
-              <a:t>VSF</a:t>
-            </a:r>
-            <a:r>
-              <a:rPr lang="zh-CN" altLang="en-US" sz="1710" dirty="0">
-                <a:latin typeface="幼圆" panose="02010509060101010101" pitchFamily="49" charset="-122"/>
-                <a:ea typeface="幼圆" panose="02010509060101010101" pitchFamily="49" charset="-122"/>
-              </a:rPr>
-              <a:t>支持的芯片，可以直接在其他平台上使用。</a:t>
-            </a:r>
-            <a:endParaRPr lang="en-GB" altLang="zh-CN" sz="1250" dirty="0">
+              <a:rPr lang="zh-CN" altLang="en-US" sz="1500" dirty="0">
+                <a:latin typeface="幼圆" panose="02010509060101010101" pitchFamily="49" charset="-122"/>
+                <a:ea typeface="幼圆" panose="02010509060101010101" pitchFamily="49" charset="-122"/>
+              </a:rPr>
+              <a:t>种的标准接口，一次性移植，全平台使用</a:t>
+            </a:r>
+            <a:r>
+              <a:rPr lang="en-US" altLang="zh-CN" sz="1500" dirty="0">
+                <a:latin typeface="幼圆" panose="02010509060101010101" pitchFamily="49" charset="-122"/>
+                <a:ea typeface="幼圆" panose="02010509060101010101" pitchFamily="49" charset="-122"/>
+              </a:rPr>
+              <a:t>(VSF</a:t>
+            </a:r>
+            <a:r>
+              <a:rPr lang="zh-CN" altLang="en-US" sz="1500" dirty="0">
+                <a:latin typeface="幼圆" panose="02010509060101010101" pitchFamily="49" charset="-122"/>
+                <a:ea typeface="幼圆" panose="02010509060101010101" pitchFamily="49" charset="-122"/>
+              </a:rPr>
+              <a:t>支持的芯片，硬件资源满足要求就可以使用</a:t>
+            </a:r>
+            <a:r>
+              <a:rPr lang="en-US" altLang="zh-CN" sz="1500" dirty="0">
+                <a:latin typeface="幼圆" panose="02010509060101010101" pitchFamily="49" charset="-122"/>
+                <a:ea typeface="幼圆" panose="02010509060101010101" pitchFamily="49" charset="-122"/>
+              </a:rPr>
+              <a:t>)</a:t>
+            </a:r>
+            <a:endParaRPr lang="en-GB" altLang="zh-CN" sz="1500" dirty="0">
               <a:latin typeface="幼圆" panose="02010509060101010101" pitchFamily="49" charset="-122"/>
               <a:ea typeface="幼圆" panose="02010509060101010101" pitchFamily="49" charset="-122"/>
             </a:endParaRPr>
@@ -5211,46 +6123,11 @@
               <a:buSzTx/>
             </a:pPr>
             <a:r>
-              <a:rPr lang="en-US" altLang="zh-CN" sz="1710" dirty="0">
-                <a:latin typeface="幼圆" panose="02010509060101010101" pitchFamily="49" charset="-122"/>
-                <a:ea typeface="幼圆" panose="02010509060101010101" pitchFamily="49" charset="-122"/>
-              </a:rPr>
-              <a:t>VSF</a:t>
-            </a:r>
-            <a:r>
               <a:rPr lang="zh-CN" altLang="en-US" sz="1710" dirty="0">
                 <a:latin typeface="幼圆" panose="02010509060101010101" pitchFamily="49" charset="-122"/>
                 <a:ea typeface="幼圆" panose="02010509060101010101" pitchFamily="49" charset="-122"/>
               </a:rPr>
-              <a:t>也会在</a:t>
-            </a:r>
-            <a:r>
-              <a:rPr lang="en-US" altLang="zh-CN" sz="1710" dirty="0">
-                <a:latin typeface="幼圆" panose="02010509060101010101" pitchFamily="49" charset="-122"/>
-                <a:ea typeface="幼圆" panose="02010509060101010101" pitchFamily="49" charset="-122"/>
-              </a:rPr>
-              <a:t>“</a:t>
-            </a:r>
-            <a:r>
-              <a:rPr lang="zh-CN" altLang="en-US" sz="1710" dirty="0">
-                <a:latin typeface="幼圆" panose="02010509060101010101" pitchFamily="49" charset="-122"/>
-                <a:ea typeface="幼圆" panose="02010509060101010101" pitchFamily="49" charset="-122"/>
-              </a:rPr>
-              <a:t>皮肤</a:t>
-            </a:r>
-            <a:r>
-              <a:rPr lang="en-US" altLang="zh-CN" sz="1710" dirty="0">
-                <a:latin typeface="幼圆" panose="02010509060101010101" pitchFamily="49" charset="-122"/>
-                <a:ea typeface="幼圆" panose="02010509060101010101" pitchFamily="49" charset="-122"/>
-              </a:rPr>
-              <a:t>”</a:t>
-            </a:r>
-            <a:r>
-              <a:rPr lang="zh-CN" altLang="en-US" sz="1710" dirty="0">
-                <a:latin typeface="幼圆" panose="02010509060101010101" pitchFamily="49" charset="-122"/>
-                <a:ea typeface="幼圆" panose="02010509060101010101" pitchFamily="49" charset="-122"/>
-              </a:rPr>
-              <a:t>里，提供其他平台的支持</a:t>
+              <a:t>通过“皮肤”对用户基于其他平台开发的历史应用代码提供支持</a:t>
             </a:r>
             <a:endParaRPr lang="zh-CN" altLang="en-US" sz="1710" dirty="0">
               <a:latin typeface="幼圆" panose="02010509060101010101" pitchFamily="49" charset="-122"/>
@@ -5263,39 +6140,11 @@
               <a:buSzTx/>
             </a:pPr>
             <a:r>
-              <a:rPr lang="zh-CN" altLang="en-US" sz="1500" dirty="0">
-                <a:latin typeface="幼圆" panose="02010509060101010101" pitchFamily="49" charset="-122"/>
-                <a:ea typeface="幼圆" panose="02010509060101010101" pitchFamily="49" charset="-122"/>
-              </a:rPr>
-              <a:t>支持</a:t>
-            </a:r>
-            <a:r>
               <a:rPr lang="en-US" altLang="zh-CN" sz="1500" dirty="0">
                 <a:latin typeface="幼圆" panose="02010509060101010101" pitchFamily="49" charset="-122"/>
                 <a:ea typeface="幼圆" panose="02010509060101010101" pitchFamily="49" charset="-122"/>
               </a:rPr>
-              <a:t>arduino</a:t>
-            </a:r>
-            <a:r>
-              <a:rPr lang="zh-CN" altLang="en-US" sz="1500" dirty="0">
-                <a:latin typeface="幼圆" panose="02010509060101010101" pitchFamily="49" charset="-122"/>
-                <a:ea typeface="幼圆" panose="02010509060101010101" pitchFamily="49" charset="-122"/>
-              </a:rPr>
-              <a:t>，对接</a:t>
-            </a:r>
-            <a:r>
-              <a:rPr lang="en-US" altLang="zh-CN" sz="1500" dirty="0">
-                <a:latin typeface="幼圆" panose="02010509060101010101" pitchFamily="49" charset="-122"/>
-                <a:ea typeface="幼圆" panose="02010509060101010101" pitchFamily="49" charset="-122"/>
-              </a:rPr>
-              <a:t>arduino</a:t>
-            </a:r>
-            <a:r>
-              <a:rPr lang="zh-CN" altLang="en-US" sz="1500" dirty="0">
-                <a:latin typeface="幼圆" panose="02010509060101010101" pitchFamily="49" charset="-122"/>
-                <a:ea typeface="幼圆" panose="02010509060101010101" pitchFamily="49" charset="-122"/>
-              </a:rPr>
-              <a:t>生态</a:t>
+              <a:t>支持posix，可以直接编译一些linux的应用</a:t>
             </a:r>
             <a:endParaRPr lang="en-US" altLang="zh-CN" sz="1500" dirty="0">
               <a:latin typeface="幼圆" panose="02010509060101010101" pitchFamily="49" charset="-122"/>
@@ -5308,39 +6157,45 @@
               <a:buSzTx/>
             </a:pPr>
             <a:r>
+              <a:rPr lang="en-US" altLang="zh-CN" sz="1500" dirty="0">
+                <a:latin typeface="幼圆" panose="02010509060101010101" pitchFamily="49" charset="-122"/>
+                <a:ea typeface="幼圆" panose="02010509060101010101" pitchFamily="49" charset="-122"/>
+              </a:rPr>
+              <a:t>支持SDL/SDL2</a:t>
+            </a:r>
+            <a:endParaRPr lang="en-US" altLang="zh-CN" sz="1500" dirty="0">
+              <a:latin typeface="幼圆" panose="02010509060101010101" pitchFamily="49" charset="-122"/>
+              <a:ea typeface="幼圆" panose="02010509060101010101" pitchFamily="49" charset="-122"/>
+            </a:endParaRPr>
+          </a:p>
+          <a:p>
+            <a:pPr lvl="2" algn="l">
+              <a:buClrTx/>
+              <a:buSzTx/>
+            </a:pPr>
+            <a:r>
+              <a:rPr lang="en-US" altLang="zh-CN" sz="1500" dirty="0">
+                <a:latin typeface="幼圆" panose="02010509060101010101" pitchFamily="49" charset="-122"/>
+                <a:ea typeface="幼圆" panose="02010509060101010101" pitchFamily="49" charset="-122"/>
+              </a:rPr>
+              <a:t>支持FreeRTOS等</a:t>
+            </a:r>
+            <a:endParaRPr lang="en-US" altLang="zh-CN" sz="1500" dirty="0">
+              <a:latin typeface="幼圆" panose="02010509060101010101" pitchFamily="49" charset="-122"/>
+              <a:ea typeface="幼圆" panose="02010509060101010101" pitchFamily="49" charset="-122"/>
+            </a:endParaRPr>
+          </a:p>
+          <a:p>
+            <a:pPr lvl="1" algn="l">
+              <a:buClrTx/>
+              <a:buSzTx/>
+            </a:pPr>
+            <a:r>
               <a:rPr lang="zh-CN" altLang="en-US" sz="1710" dirty="0">
                 <a:latin typeface="幼圆" panose="02010509060101010101" pitchFamily="49" charset="-122"/>
                 <a:ea typeface="幼圆" panose="02010509060101010101" pitchFamily="49" charset="-122"/>
               </a:rPr>
-              <a:t>支持</a:t>
-            </a:r>
-            <a:r>
-              <a:rPr lang="en-US" altLang="zh-CN" sz="1710" dirty="0">
-                <a:latin typeface="幼圆" panose="02010509060101010101" pitchFamily="49" charset="-122"/>
-                <a:ea typeface="幼圆" panose="02010509060101010101" pitchFamily="49" charset="-122"/>
-              </a:rPr>
-              <a:t>linux</a:t>
-            </a:r>
-            <a:r>
-              <a:rPr lang="zh-CN" altLang="en-US" sz="1710" dirty="0">
-                <a:latin typeface="幼圆" panose="02010509060101010101" pitchFamily="49" charset="-122"/>
-                <a:ea typeface="幼圆" panose="02010509060101010101" pitchFamily="49" charset="-122"/>
-              </a:rPr>
-              <a:t>，对接</a:t>
-            </a:r>
-            <a:r>
-              <a:rPr lang="en-US" altLang="zh-CN" sz="1710" dirty="0">
-                <a:latin typeface="幼圆" panose="02010509060101010101" pitchFamily="49" charset="-122"/>
-                <a:ea typeface="幼圆" panose="02010509060101010101" pitchFamily="49" charset="-122"/>
-              </a:rPr>
-              <a:t>linux</a:t>
-            </a:r>
-            <a:r>
-              <a:rPr lang="zh-CN" altLang="en-US" sz="1710" dirty="0">
-                <a:latin typeface="幼圆" panose="02010509060101010101" pitchFamily="49" charset="-122"/>
-                <a:ea typeface="幼圆" panose="02010509060101010101" pitchFamily="49" charset="-122"/>
-              </a:rPr>
-              <a:t>生态</a:t>
+              <a:t>应用层开发体验统一，多个模块支持声明式的开发方式，不需要了解太多细节</a:t>
             </a:r>
             <a:endParaRPr lang="zh-CN" altLang="en-US" sz="1710" dirty="0">
               <a:latin typeface="幼圆" panose="02010509060101010101" pitchFamily="49" charset="-122"/>
@@ -5352,25 +6207,18 @@
               <a:buClrTx/>
               <a:buSzTx/>
             </a:pPr>
-            <a:endParaRPr lang="zh-CN" altLang="en-US" sz="2050" dirty="0">
+            <a:endParaRPr lang="zh-CN" altLang="en-US" sz="1710" dirty="0">
               <a:latin typeface="幼圆" panose="02010509060101010101" pitchFamily="49" charset="-122"/>
               <a:ea typeface="幼圆" panose="02010509060101010101" pitchFamily="49" charset="-122"/>
             </a:endParaRPr>
           </a:p>
           <a:p>
             <a:r>
-              <a:rPr lang="zh-CN" altLang="en-GB" sz="2000" dirty="0">
-                <a:latin typeface="幼圆" panose="02010509060101010101" pitchFamily="49" charset="-122"/>
-                <a:ea typeface="幼圆" panose="02010509060101010101" pitchFamily="49" charset="-122"/>
-              </a:rPr>
-              <a:t>可定制针对某些市场的应用</a:t>
-            </a:r>
-            <a:r>
-              <a:rPr lang="en-US" altLang="zh-CN" sz="2000" dirty="0">
-                <a:latin typeface="幼圆" panose="02010509060101010101" pitchFamily="49" charset="-122"/>
-                <a:ea typeface="幼圆" panose="02010509060101010101" pitchFamily="49" charset="-122"/>
-              </a:rPr>
-              <a:t>SDK</a:t>
+              <a:rPr lang="zh-CN" altLang="en-US" sz="2000" dirty="0">
+                <a:latin typeface="幼圆" panose="02010509060101010101" pitchFamily="49" charset="-122"/>
+                <a:ea typeface="幼圆" panose="02010509060101010101" pitchFamily="49" charset="-122"/>
+              </a:rPr>
+              <a:t>行业领先的优化</a:t>
             </a:r>
             <a:endParaRPr lang="en-GB" altLang="zh-CN" sz="2000" dirty="0">
               <a:latin typeface="幼圆" panose="02010509060101010101" pitchFamily="49" charset="-122"/>
@@ -5379,6 +6227,27 @@
           </a:p>
           <a:p>
             <a:pPr lvl="1"/>
+            <a:r>
+              <a:rPr lang="zh-CN" altLang="en-US" sz="1710" dirty="0">
+                <a:latin typeface="幼圆" panose="02010509060101010101" pitchFamily="49" charset="-122"/>
+                <a:ea typeface="幼圆" panose="02010509060101010101" pitchFamily="49" charset="-122"/>
+              </a:rPr>
+              <a:t>相同功能下，比其它主流RTOS更小——适合选取成本更低的芯片</a:t>
+            </a:r>
+            <a:endParaRPr lang="zh-CN" altLang="en-US" sz="1710" dirty="0">
+              <a:latin typeface="幼圆" panose="02010509060101010101" pitchFamily="49" charset="-122"/>
+              <a:ea typeface="幼圆" panose="02010509060101010101" pitchFamily="49" charset="-122"/>
+            </a:endParaRPr>
+          </a:p>
+          <a:p>
+            <a:pPr lvl="1"/>
+            <a:r>
+              <a:rPr lang="zh-CN" altLang="en-US" sz="1710" dirty="0">
+                <a:latin typeface="幼圆" panose="02010509060101010101" pitchFamily="49" charset="-122"/>
+                <a:ea typeface="幼圆" panose="02010509060101010101" pitchFamily="49" charset="-122"/>
+              </a:rPr>
+              <a:t>高度可裁剪，覆盖从8051、Cortex-M、Cortex-A到PC的完整开发生态</a:t>
+            </a:r>
             <a:endParaRPr lang="en-GB" sz="1800" dirty="0">
               <a:latin typeface="幼圆" panose="02010509060101010101" pitchFamily="49" charset="-122"/>
               <a:ea typeface="幼圆" panose="02010509060101010101" pitchFamily="49" charset="-122"/>
@@ -5444,6 +6313,579 @@
               <a:t>面向</a:t>
             </a:r>
             <a:r>
+              <a:rPr lang="en-US" altLang="zh-CN" dirty="0">
+                <a:solidFill>
+                  <a:srgbClr val="00B050"/>
+                </a:solidFill>
+                <a:latin typeface="幼圆" panose="02010509060101010101" pitchFamily="49" charset="-122"/>
+                <a:ea typeface="幼圆" panose="02010509060101010101" pitchFamily="49" charset="-122"/>
+              </a:rPr>
+              <a:t>MCU</a:t>
+            </a:r>
+            <a:r>
+              <a:rPr lang="zh-CN" altLang="en-US" dirty="0">
+                <a:solidFill>
+                  <a:srgbClr val="00B050"/>
+                </a:solidFill>
+                <a:latin typeface="幼圆" panose="02010509060101010101" pitchFamily="49" charset="-122"/>
+                <a:ea typeface="幼圆" panose="02010509060101010101" pitchFamily="49" charset="-122"/>
+              </a:rPr>
+              <a:t>芯片厂家，简化软件支持</a:t>
+            </a:r>
+            <a:endParaRPr lang="en-US" altLang="zh-CN" dirty="0">
+              <a:solidFill>
+                <a:srgbClr val="00B050"/>
+              </a:solidFill>
+              <a:latin typeface="幼圆" panose="02010509060101010101" pitchFamily="49" charset="-122"/>
+              <a:ea typeface="幼圆" panose="02010509060101010101" pitchFamily="49" charset="-122"/>
+            </a:endParaRPr>
+          </a:p>
+        </p:txBody>
+      </p:sp>
+      <p:sp>
+        <p:nvSpPr>
+          <p:cNvPr id="5" name="Content Placeholder 2"/>
+          <p:cNvSpPr>
+            <a:spLocks noGrp="1"/>
+          </p:cNvSpPr>
+          <p:nvPr>
+            <p:ph idx="1"/>
+          </p:nvPr>
+        </p:nvSpPr>
+        <p:spPr>
+          <a:xfrm>
+            <a:off x="838200" y="1253067"/>
+            <a:ext cx="10515600" cy="4923896"/>
+          </a:xfrm>
+        </p:spPr>
+        <p:txBody>
+          <a:bodyPr>
+            <a:normAutofit lnSpcReduction="10000"/>
+          </a:bodyPr>
+          <a:lstStyle/>
+          <a:p>
+            <a:r>
+              <a:rPr lang="zh-CN" altLang="en-GB" sz="2000" dirty="0">
+                <a:latin typeface="幼圆" panose="02010509060101010101" pitchFamily="49" charset="-122"/>
+                <a:ea typeface="幼圆" panose="02010509060101010101" pitchFamily="49" charset="-122"/>
+              </a:rPr>
+              <a:t>多层次</a:t>
+            </a:r>
+            <a:r>
+              <a:rPr lang="en-US" altLang="zh-CN" sz="2000" dirty="0">
+                <a:latin typeface="幼圆" panose="02010509060101010101" pitchFamily="49" charset="-122"/>
+                <a:ea typeface="幼圆" panose="02010509060101010101" pitchFamily="49" charset="-122"/>
+              </a:rPr>
+              <a:t>HAL</a:t>
+            </a:r>
+            <a:r>
+              <a:rPr lang="zh-CN" altLang="en-US" sz="2000" dirty="0">
+                <a:latin typeface="幼圆" panose="02010509060101010101" pitchFamily="49" charset="-122"/>
+                <a:ea typeface="幼圆" panose="02010509060101010101" pitchFamily="49" charset="-122"/>
+              </a:rPr>
+              <a:t>系统，满足用户的不同需求</a:t>
+            </a:r>
+            <a:endParaRPr lang="zh-CN" altLang="en-GB" sz="2000" dirty="0">
+              <a:latin typeface="幼圆" panose="02010509060101010101" pitchFamily="49" charset="-122"/>
+              <a:ea typeface="幼圆" panose="02010509060101010101" pitchFamily="49" charset="-122"/>
+            </a:endParaRPr>
+          </a:p>
+          <a:p>
+            <a:pPr lvl="1"/>
+            <a:r>
+              <a:rPr lang="en-US" altLang="zh-CN" sz="1710" dirty="0">
+                <a:latin typeface="幼圆" panose="02010509060101010101" pitchFamily="49" charset="-122"/>
+                <a:ea typeface="幼圆" panose="02010509060101010101" pitchFamily="49" charset="-122"/>
+              </a:rPr>
+              <a:t>Level0: </a:t>
+            </a:r>
+            <a:r>
+              <a:rPr lang="zh-CN" altLang="en-US" sz="1710" dirty="0">
+                <a:latin typeface="幼圆" panose="02010509060101010101" pitchFamily="49" charset="-122"/>
+                <a:ea typeface="幼圆" panose="02010509060101010101" pitchFamily="49" charset="-122"/>
+              </a:rPr>
+              <a:t>直接访问硬件的最底层驱动</a:t>
+            </a:r>
+            <a:endParaRPr lang="zh-CN" altLang="en-GB" sz="1710" dirty="0">
+              <a:latin typeface="幼圆" panose="02010509060101010101" pitchFamily="49" charset="-122"/>
+              <a:ea typeface="幼圆" panose="02010509060101010101" pitchFamily="49" charset="-122"/>
+            </a:endParaRPr>
+          </a:p>
+          <a:p>
+            <a:pPr lvl="1"/>
+            <a:r>
+              <a:rPr lang="en-US" altLang="zh-CN" sz="1710" dirty="0">
+                <a:latin typeface="幼圆" panose="02010509060101010101" pitchFamily="49" charset="-122"/>
+                <a:ea typeface="幼圆" panose="02010509060101010101" pitchFamily="49" charset="-122"/>
+              </a:rPr>
+              <a:t>Level1: </a:t>
+            </a:r>
+            <a:r>
+              <a:rPr lang="zh-CN" altLang="en-US" sz="1710" dirty="0">
+                <a:latin typeface="幼圆" panose="02010509060101010101" pitchFamily="49" charset="-122"/>
+                <a:ea typeface="幼圆" panose="02010509060101010101" pitchFamily="49" charset="-122"/>
+              </a:rPr>
+              <a:t>在</a:t>
+            </a:r>
+            <a:r>
+              <a:rPr lang="en-GB" altLang="zh-CN" sz="1710" dirty="0">
+                <a:latin typeface="幼圆" panose="02010509060101010101" pitchFamily="49" charset="-122"/>
+                <a:ea typeface="幼圆" panose="02010509060101010101" pitchFamily="49" charset="-122"/>
+              </a:rPr>
+              <a:t>Level0</a:t>
+            </a:r>
+            <a:r>
+              <a:rPr lang="zh-CN" altLang="en-US" sz="1710" dirty="0">
+                <a:latin typeface="幼圆" panose="02010509060101010101" pitchFamily="49" charset="-122"/>
+                <a:ea typeface="幼圆" panose="02010509060101010101" pitchFamily="49" charset="-122"/>
+              </a:rPr>
+              <a:t>驱动基础上进行二次封装的驱动，</a:t>
+            </a:r>
+            <a:endParaRPr lang="en-GB" altLang="zh-CN" sz="1710" dirty="0">
+              <a:latin typeface="幼圆" panose="02010509060101010101" pitchFamily="49" charset="-122"/>
+              <a:ea typeface="幼圆" panose="02010509060101010101" pitchFamily="49" charset="-122"/>
+            </a:endParaRPr>
+          </a:p>
+          <a:p>
+            <a:pPr lvl="2"/>
+            <a:r>
+              <a:rPr lang="zh-CN" altLang="en-US" sz="1310" dirty="0">
+                <a:latin typeface="幼圆" panose="02010509060101010101" pitchFamily="49" charset="-122"/>
+                <a:ea typeface="幼圆" panose="02010509060101010101" pitchFamily="49" charset="-122"/>
+              </a:rPr>
+              <a:t>封装后功能有所增强，对用户更为友好，使用更为简单</a:t>
+            </a:r>
+            <a:endParaRPr lang="zh-CN" altLang="en-GB" sz="1310" dirty="0">
+              <a:latin typeface="幼圆" panose="02010509060101010101" pitchFamily="49" charset="-122"/>
+              <a:ea typeface="幼圆" panose="02010509060101010101" pitchFamily="49" charset="-122"/>
+            </a:endParaRPr>
+          </a:p>
+          <a:p>
+            <a:pPr lvl="1"/>
+            <a:r>
+              <a:rPr lang="en-US" altLang="zh-CN" sz="1710" dirty="0" err="1">
+                <a:latin typeface="幼圆" panose="02010509060101010101" pitchFamily="49" charset="-122"/>
+                <a:ea typeface="幼圆" panose="02010509060101010101" pitchFamily="49" charset="-122"/>
+              </a:rPr>
+              <a:t>osa_hal</a:t>
+            </a:r>
+            <a:r>
+              <a:rPr lang="en-US" altLang="zh-CN" sz="1710" dirty="0">
+                <a:latin typeface="幼圆" panose="02010509060101010101" pitchFamily="49" charset="-122"/>
+                <a:ea typeface="幼圆" panose="02010509060101010101" pitchFamily="49" charset="-122"/>
+              </a:rPr>
+              <a:t>: </a:t>
+            </a:r>
+            <a:r>
+              <a:rPr lang="zh-CN" altLang="en-US" sz="1710" dirty="0">
+                <a:latin typeface="幼圆" panose="02010509060101010101" pitchFamily="49" charset="-122"/>
+                <a:ea typeface="幼圆" panose="02010509060101010101" pitchFamily="49" charset="-122"/>
+              </a:rPr>
+              <a:t>面向特定协议栈的外设驱动接口（包含</a:t>
+            </a:r>
+            <a:r>
+              <a:rPr lang="en-GB" altLang="zh-CN" sz="1710" dirty="0">
+                <a:latin typeface="幼圆" panose="02010509060101010101" pitchFamily="49" charset="-122"/>
+                <a:ea typeface="幼圆" panose="02010509060101010101" pitchFamily="49" charset="-122"/>
+              </a:rPr>
+              <a:t>Level2 </a:t>
+            </a:r>
+            <a:r>
+              <a:rPr lang="en-US" altLang="zh-CN" sz="1710" dirty="0">
+                <a:latin typeface="幼圆" panose="02010509060101010101" pitchFamily="49" charset="-122"/>
+                <a:ea typeface="幼圆" panose="02010509060101010101" pitchFamily="49" charset="-122"/>
+              </a:rPr>
+              <a:t>HAL</a:t>
+            </a:r>
+            <a:r>
+              <a:rPr lang="zh-CN" altLang="en-US" sz="1710" dirty="0">
+                <a:latin typeface="幼圆" panose="02010509060101010101" pitchFamily="49" charset="-122"/>
+                <a:ea typeface="幼圆" panose="02010509060101010101" pitchFamily="49" charset="-122"/>
+              </a:rPr>
+              <a:t>）</a:t>
+            </a:r>
+            <a:endParaRPr lang="en-GB" altLang="zh-CN" sz="1710" dirty="0">
+              <a:latin typeface="幼圆" panose="02010509060101010101" pitchFamily="49" charset="-122"/>
+              <a:ea typeface="幼圆" panose="02010509060101010101" pitchFamily="49" charset="-122"/>
+            </a:endParaRPr>
+          </a:p>
+          <a:p>
+            <a:pPr lvl="2"/>
+            <a:r>
+              <a:rPr lang="en-US" altLang="zh-CN" sz="1400" dirty="0">
+                <a:latin typeface="幼圆" panose="02010509060101010101" pitchFamily="49" charset="-122"/>
+                <a:ea typeface="幼圆" panose="02010509060101010101" pitchFamily="49" charset="-122"/>
+              </a:rPr>
+              <a:t>Level2: </a:t>
+            </a:r>
+            <a:r>
+              <a:rPr lang="zh-CN" altLang="en-US" sz="1400" dirty="0">
+                <a:latin typeface="幼圆" panose="02010509060101010101" pitchFamily="49" charset="-122"/>
+                <a:ea typeface="幼圆" panose="02010509060101010101" pitchFamily="49" charset="-122"/>
+              </a:rPr>
+              <a:t>面向具体应用或者客户进行高度定制的驱动接口，可能更友好、尺寸更小或者更强大</a:t>
+            </a:r>
+            <a:endParaRPr lang="zh-CN" altLang="en-US" sz="1310" dirty="0">
+              <a:latin typeface="幼圆" panose="02010509060101010101" pitchFamily="49" charset="-122"/>
+              <a:ea typeface="幼圆" panose="02010509060101010101" pitchFamily="49" charset="-122"/>
+            </a:endParaRPr>
+          </a:p>
+          <a:p>
+            <a:pPr lvl="1"/>
+            <a:endParaRPr lang="en-GB" sz="2000" dirty="0">
+              <a:latin typeface="幼圆" panose="02010509060101010101" pitchFamily="49" charset="-122"/>
+              <a:ea typeface="幼圆" panose="02010509060101010101" pitchFamily="49" charset="-122"/>
+            </a:endParaRPr>
+          </a:p>
+          <a:p>
+            <a:r>
+              <a:rPr lang="zh-CN" altLang="en-GB" sz="2000" dirty="0">
+                <a:latin typeface="幼圆" panose="02010509060101010101" pitchFamily="49" charset="-122"/>
+                <a:ea typeface="幼圆" panose="02010509060101010101" pitchFamily="49" charset="-122"/>
+              </a:rPr>
+              <a:t>一次移植，多种生态支持</a:t>
+            </a:r>
+            <a:endParaRPr lang="en-GB" altLang="zh-CN" sz="2000" dirty="0">
+              <a:latin typeface="幼圆" panose="02010509060101010101" pitchFamily="49" charset="-122"/>
+              <a:ea typeface="幼圆" panose="02010509060101010101" pitchFamily="49" charset="-122"/>
+            </a:endParaRPr>
+          </a:p>
+          <a:p>
+            <a:pPr lvl="1" algn="l">
+              <a:buClrTx/>
+              <a:buSzTx/>
+            </a:pPr>
+            <a:r>
+              <a:rPr lang="zh-CN" altLang="en-US" sz="1710" dirty="0">
+                <a:latin typeface="幼圆" panose="02010509060101010101" pitchFamily="49" charset="-122"/>
+                <a:ea typeface="幼圆" panose="02010509060101010101" pitchFamily="49" charset="-122"/>
+              </a:rPr>
+              <a:t>对于新的芯片，只需要移植</a:t>
+            </a:r>
+            <a:r>
+              <a:rPr lang="en-US" altLang="zh-CN" sz="1710" dirty="0">
+                <a:latin typeface="幼圆" panose="02010509060101010101" pitchFamily="49" charset="-122"/>
+                <a:ea typeface="幼圆" panose="02010509060101010101" pitchFamily="49" charset="-122"/>
+              </a:rPr>
+              <a:t>level0</a:t>
+            </a:r>
+            <a:r>
+              <a:rPr lang="zh-CN" altLang="en-US" sz="1710" dirty="0">
+                <a:latin typeface="幼圆" panose="02010509060101010101" pitchFamily="49" charset="-122"/>
+                <a:ea typeface="幼圆" panose="02010509060101010101" pitchFamily="49" charset="-122"/>
+              </a:rPr>
+              <a:t>以及极少部分</a:t>
+            </a:r>
+            <a:r>
+              <a:rPr lang="en-US" altLang="zh-CN" sz="1710" dirty="0">
+                <a:latin typeface="幼圆" panose="02010509060101010101" pitchFamily="49" charset="-122"/>
+                <a:ea typeface="幼圆" panose="02010509060101010101" pitchFamily="49" charset="-122"/>
+              </a:rPr>
+              <a:t>osa_hal</a:t>
+            </a:r>
+            <a:r>
+              <a:rPr lang="zh-CN" altLang="en-US" sz="1710" dirty="0">
+                <a:latin typeface="幼圆" panose="02010509060101010101" pitchFamily="49" charset="-122"/>
+                <a:ea typeface="幼圆" panose="02010509060101010101" pitchFamily="49" charset="-122"/>
+              </a:rPr>
+              <a:t>的外设驱动，就可以使用</a:t>
+            </a:r>
+            <a:r>
+              <a:rPr lang="en-US" altLang="zh-CN" sz="1710" dirty="0">
+                <a:latin typeface="幼圆" panose="02010509060101010101" pitchFamily="49" charset="-122"/>
+                <a:ea typeface="幼圆" panose="02010509060101010101" pitchFamily="49" charset="-122"/>
+              </a:rPr>
+              <a:t>vsf</a:t>
+            </a:r>
+            <a:r>
+              <a:rPr lang="zh-CN" altLang="en-US" sz="1710" dirty="0">
+                <a:latin typeface="幼圆" panose="02010509060101010101" pitchFamily="49" charset="-122"/>
+                <a:ea typeface="幼圆" panose="02010509060101010101" pitchFamily="49" charset="-122"/>
+              </a:rPr>
+              <a:t>中的大部分模块和应用</a:t>
+            </a:r>
+            <a:endParaRPr lang="zh-CN" altLang="en-US" sz="1710" dirty="0">
+              <a:latin typeface="幼圆" panose="02010509060101010101" pitchFamily="49" charset="-122"/>
+              <a:ea typeface="幼圆" panose="02010509060101010101" pitchFamily="49" charset="-122"/>
+            </a:endParaRPr>
+          </a:p>
+          <a:p>
+            <a:pPr lvl="1" algn="l">
+              <a:buClrTx/>
+              <a:buSzTx/>
+            </a:pPr>
+            <a:r>
+              <a:rPr lang="en-US" altLang="zh-CN" sz="1710" dirty="0">
+                <a:latin typeface="幼圆" panose="02010509060101010101" pitchFamily="49" charset="-122"/>
+                <a:ea typeface="幼圆" panose="02010509060101010101" pitchFamily="49" charset="-122"/>
+              </a:rPr>
+              <a:t>VSF</a:t>
+            </a:r>
+            <a:r>
+              <a:rPr lang="zh-CN" altLang="en-US" sz="1710" dirty="0">
+                <a:latin typeface="幼圆" panose="02010509060101010101" pitchFamily="49" charset="-122"/>
+                <a:ea typeface="幼圆" panose="02010509060101010101" pitchFamily="49" charset="-122"/>
+              </a:rPr>
+              <a:t>会提供一些基于其他平台的扩展，使得</a:t>
+            </a:r>
+            <a:r>
+              <a:rPr lang="en-US" altLang="zh-CN" sz="1710" dirty="0">
+                <a:latin typeface="幼圆" panose="02010509060101010101" pitchFamily="49" charset="-122"/>
+                <a:ea typeface="幼圆" panose="02010509060101010101" pitchFamily="49" charset="-122"/>
+              </a:rPr>
+              <a:t>VSF</a:t>
+            </a:r>
+            <a:r>
+              <a:rPr lang="zh-CN" altLang="en-US" sz="1710" dirty="0">
+                <a:latin typeface="幼圆" panose="02010509060101010101" pitchFamily="49" charset="-122"/>
+                <a:ea typeface="幼圆" panose="02010509060101010101" pitchFamily="49" charset="-122"/>
+              </a:rPr>
+              <a:t>支持的芯片，可以直接在其他平台上使用。</a:t>
+            </a:r>
+            <a:endParaRPr lang="en-GB" altLang="zh-CN" sz="1250" dirty="0">
+              <a:latin typeface="幼圆" panose="02010509060101010101" pitchFamily="49" charset="-122"/>
+              <a:ea typeface="幼圆" panose="02010509060101010101" pitchFamily="49" charset="-122"/>
+            </a:endParaRPr>
+          </a:p>
+          <a:p>
+            <a:pPr lvl="1" algn="l">
+              <a:buClrTx/>
+              <a:buSzTx/>
+            </a:pPr>
+            <a:r>
+              <a:rPr lang="en-US" altLang="zh-CN" sz="1710" dirty="0">
+                <a:latin typeface="幼圆" panose="02010509060101010101" pitchFamily="49" charset="-122"/>
+                <a:ea typeface="幼圆" panose="02010509060101010101" pitchFamily="49" charset="-122"/>
+              </a:rPr>
+              <a:t>VSF</a:t>
+            </a:r>
+            <a:r>
+              <a:rPr lang="zh-CN" altLang="en-US" sz="1710" dirty="0">
+                <a:latin typeface="幼圆" panose="02010509060101010101" pitchFamily="49" charset="-122"/>
+                <a:ea typeface="幼圆" panose="02010509060101010101" pitchFamily="49" charset="-122"/>
+              </a:rPr>
+              <a:t>也会在</a:t>
+            </a:r>
+            <a:r>
+              <a:rPr lang="en-US" altLang="zh-CN" sz="1710" dirty="0">
+                <a:latin typeface="幼圆" panose="02010509060101010101" pitchFamily="49" charset="-122"/>
+                <a:ea typeface="幼圆" panose="02010509060101010101" pitchFamily="49" charset="-122"/>
+              </a:rPr>
+              <a:t>“</a:t>
+            </a:r>
+            <a:r>
+              <a:rPr lang="zh-CN" altLang="en-US" sz="1710" dirty="0">
+                <a:latin typeface="幼圆" panose="02010509060101010101" pitchFamily="49" charset="-122"/>
+                <a:ea typeface="幼圆" panose="02010509060101010101" pitchFamily="49" charset="-122"/>
+              </a:rPr>
+              <a:t>皮肤</a:t>
+            </a:r>
+            <a:r>
+              <a:rPr lang="en-US" altLang="zh-CN" sz="1710" dirty="0">
+                <a:latin typeface="幼圆" panose="02010509060101010101" pitchFamily="49" charset="-122"/>
+                <a:ea typeface="幼圆" panose="02010509060101010101" pitchFamily="49" charset="-122"/>
+              </a:rPr>
+              <a:t>”</a:t>
+            </a:r>
+            <a:r>
+              <a:rPr lang="zh-CN" altLang="en-US" sz="1710" dirty="0">
+                <a:latin typeface="幼圆" panose="02010509060101010101" pitchFamily="49" charset="-122"/>
+                <a:ea typeface="幼圆" panose="02010509060101010101" pitchFamily="49" charset="-122"/>
+              </a:rPr>
+              <a:t>里，提供其他平台的支持</a:t>
+            </a:r>
+            <a:endParaRPr lang="zh-CN" altLang="en-US" sz="1710" dirty="0">
+              <a:latin typeface="幼圆" panose="02010509060101010101" pitchFamily="49" charset="-122"/>
+              <a:ea typeface="幼圆" panose="02010509060101010101" pitchFamily="49" charset="-122"/>
+            </a:endParaRPr>
+          </a:p>
+          <a:p>
+            <a:pPr lvl="2" algn="l">
+              <a:buClrTx/>
+              <a:buSzTx/>
+            </a:pPr>
+            <a:r>
+              <a:rPr lang="zh-CN" altLang="en-US" sz="1500" dirty="0">
+                <a:latin typeface="幼圆" panose="02010509060101010101" pitchFamily="49" charset="-122"/>
+                <a:ea typeface="幼圆" panose="02010509060101010101" pitchFamily="49" charset="-122"/>
+              </a:rPr>
+              <a:t>支持</a:t>
+            </a:r>
+            <a:r>
+              <a:rPr lang="en-US" altLang="zh-CN" sz="1500" dirty="0">
+                <a:latin typeface="幼圆" panose="02010509060101010101" pitchFamily="49" charset="-122"/>
+                <a:ea typeface="幼圆" panose="02010509060101010101" pitchFamily="49" charset="-122"/>
+              </a:rPr>
+              <a:t>arduino</a:t>
+            </a:r>
+            <a:r>
+              <a:rPr lang="zh-CN" altLang="en-US" sz="1500" dirty="0">
+                <a:latin typeface="幼圆" panose="02010509060101010101" pitchFamily="49" charset="-122"/>
+                <a:ea typeface="幼圆" panose="02010509060101010101" pitchFamily="49" charset="-122"/>
+              </a:rPr>
+              <a:t>，对接</a:t>
+            </a:r>
+            <a:r>
+              <a:rPr lang="en-US" altLang="zh-CN" sz="1500" dirty="0">
+                <a:latin typeface="幼圆" panose="02010509060101010101" pitchFamily="49" charset="-122"/>
+                <a:ea typeface="幼圆" panose="02010509060101010101" pitchFamily="49" charset="-122"/>
+              </a:rPr>
+              <a:t>arduino</a:t>
+            </a:r>
+            <a:r>
+              <a:rPr lang="zh-CN" altLang="en-US" sz="1500" dirty="0">
+                <a:latin typeface="幼圆" panose="02010509060101010101" pitchFamily="49" charset="-122"/>
+                <a:ea typeface="幼圆" panose="02010509060101010101" pitchFamily="49" charset="-122"/>
+              </a:rPr>
+              <a:t>生态</a:t>
+            </a:r>
+            <a:endParaRPr lang="en-US" altLang="zh-CN" sz="1500" dirty="0">
+              <a:latin typeface="幼圆" panose="02010509060101010101" pitchFamily="49" charset="-122"/>
+              <a:ea typeface="幼圆" panose="02010509060101010101" pitchFamily="49" charset="-122"/>
+            </a:endParaRPr>
+          </a:p>
+          <a:p>
+            <a:pPr lvl="2" algn="l">
+              <a:buClrTx/>
+              <a:buSzTx/>
+            </a:pPr>
+            <a:r>
+              <a:rPr lang="zh-CN" altLang="en-US" sz="1710" dirty="0">
+                <a:latin typeface="幼圆" panose="02010509060101010101" pitchFamily="49" charset="-122"/>
+                <a:ea typeface="幼圆" panose="02010509060101010101" pitchFamily="49" charset="-122"/>
+              </a:rPr>
+              <a:t>支持</a:t>
+            </a:r>
+            <a:r>
+              <a:rPr lang="en-US" altLang="zh-CN" sz="1710" dirty="0">
+                <a:latin typeface="幼圆" panose="02010509060101010101" pitchFamily="49" charset="-122"/>
+                <a:ea typeface="幼圆" panose="02010509060101010101" pitchFamily="49" charset="-122"/>
+              </a:rPr>
+              <a:t>linux</a:t>
+            </a:r>
+            <a:r>
+              <a:rPr lang="zh-CN" altLang="en-US" sz="1710" dirty="0">
+                <a:latin typeface="幼圆" panose="02010509060101010101" pitchFamily="49" charset="-122"/>
+                <a:ea typeface="幼圆" panose="02010509060101010101" pitchFamily="49" charset="-122"/>
+              </a:rPr>
+              <a:t>，对接</a:t>
+            </a:r>
+            <a:r>
+              <a:rPr lang="en-US" altLang="zh-CN" sz="1710" dirty="0">
+                <a:latin typeface="幼圆" panose="02010509060101010101" pitchFamily="49" charset="-122"/>
+                <a:ea typeface="幼圆" panose="02010509060101010101" pitchFamily="49" charset="-122"/>
+              </a:rPr>
+              <a:t>linux</a:t>
+            </a:r>
+            <a:r>
+              <a:rPr lang="zh-CN" altLang="en-US" sz="1710" dirty="0">
+                <a:latin typeface="幼圆" panose="02010509060101010101" pitchFamily="49" charset="-122"/>
+                <a:ea typeface="幼圆" panose="02010509060101010101" pitchFamily="49" charset="-122"/>
+              </a:rPr>
+              <a:t>生态</a:t>
+            </a:r>
+            <a:endParaRPr lang="zh-CN" altLang="en-US" sz="1710" dirty="0">
+              <a:latin typeface="幼圆" panose="02010509060101010101" pitchFamily="49" charset="-122"/>
+              <a:ea typeface="幼圆" panose="02010509060101010101" pitchFamily="49" charset="-122"/>
+            </a:endParaRPr>
+          </a:p>
+          <a:p>
+            <a:pPr lvl="1" algn="l">
+              <a:buClrTx/>
+              <a:buSzTx/>
+            </a:pPr>
+            <a:endParaRPr lang="zh-CN" altLang="en-US" sz="2050" dirty="0">
+              <a:latin typeface="幼圆" panose="02010509060101010101" pitchFamily="49" charset="-122"/>
+              <a:ea typeface="幼圆" panose="02010509060101010101" pitchFamily="49" charset="-122"/>
+            </a:endParaRPr>
+          </a:p>
+          <a:p>
+            <a:r>
+              <a:rPr lang="zh-CN" altLang="en-GB" sz="2000" dirty="0">
+                <a:latin typeface="幼圆" panose="02010509060101010101" pitchFamily="49" charset="-122"/>
+                <a:ea typeface="幼圆" panose="02010509060101010101" pitchFamily="49" charset="-122"/>
+              </a:rPr>
+              <a:t>可定制针对某些市场的应用</a:t>
+            </a:r>
+            <a:r>
+              <a:rPr lang="en-US" altLang="zh-CN" sz="2000" dirty="0">
+                <a:latin typeface="幼圆" panose="02010509060101010101" pitchFamily="49" charset="-122"/>
+                <a:ea typeface="幼圆" panose="02010509060101010101" pitchFamily="49" charset="-122"/>
+              </a:rPr>
+              <a:t>SDK</a:t>
+            </a:r>
+            <a:endParaRPr lang="en-GB" altLang="zh-CN" sz="2000" dirty="0">
+              <a:latin typeface="幼圆" panose="02010509060101010101" pitchFamily="49" charset="-122"/>
+              <a:ea typeface="幼圆" panose="02010509060101010101" pitchFamily="49" charset="-122"/>
+            </a:endParaRPr>
+          </a:p>
+          <a:p>
+            <a:pPr lvl="1"/>
+            <a:endParaRPr lang="en-GB" sz="1800" dirty="0">
+              <a:latin typeface="幼圆" panose="02010509060101010101" pitchFamily="49" charset="-122"/>
+              <a:ea typeface="幼圆" panose="02010509060101010101" pitchFamily="49" charset="-122"/>
+            </a:endParaRPr>
+          </a:p>
+        </p:txBody>
+      </p:sp>
+    </p:spTree>
+  </p:cSld>
+  <p:clrMapOvr>
+    <a:masterClrMapping/>
+  </p:clrMapOvr>
+</p:sld>
+</file>
+
+<file path=ppt/slides/slide5.xml><?xml version="1.0" encoding="utf-8"?>
+<p:sld xmlns:a="http://schemas.openxmlformats.org/drawingml/2006/main" xmlns:r="http://schemas.openxmlformats.org/officeDocument/2006/relationships" xmlns:p="http://schemas.openxmlformats.org/presentationml/2006/main">
+  <p:cSld>
+    <p:spTree>
+      <p:nvGrpSpPr>
+        <p:cNvPr id="1" name=""/>
+        <p:cNvGrpSpPr/>
+        <p:nvPr/>
+      </p:nvGrpSpPr>
+      <p:grpSpPr>
+        <a:xfrm>
+          <a:off x="0" y="0"/>
+          <a:ext cx="0" cy="0"/>
+          <a:chOff x="0" y="0"/>
+          <a:chExt cx="0" cy="0"/>
+        </a:xfrm>
+      </p:grpSpPr>
+      <p:sp>
+        <p:nvSpPr>
+          <p:cNvPr id="4" name="Title 1"/>
+          <p:cNvSpPr>
+            <a:spLocks noGrp="1"/>
+          </p:cNvSpPr>
+          <p:nvPr>
+            <p:ph type="title"/>
+          </p:nvPr>
+        </p:nvSpPr>
+        <p:spPr>
+          <a:xfrm>
+            <a:off x="838200" y="365125"/>
+            <a:ext cx="10515600" cy="701675"/>
+          </a:xfrm>
+        </p:spPr>
+        <p:txBody>
+          <a:bodyPr>
+            <a:normAutofit/>
+          </a:bodyPr>
+          <a:lstStyle/>
+          <a:p>
+            <a:r>
+              <a:rPr lang="zh-CN" altLang="en-US" dirty="0">
+                <a:solidFill>
+                  <a:srgbClr val="00B050"/>
+                </a:solidFill>
+                <a:latin typeface="幼圆" panose="02010509060101010101" pitchFamily="49" charset="-122"/>
+                <a:ea typeface="幼圆" panose="02010509060101010101" pitchFamily="49" charset="-122"/>
+              </a:rPr>
+              <a:t>面向</a:t>
+            </a:r>
+            <a:r>
               <a:rPr lang="en-US" dirty="0">
                 <a:solidFill>
                   <a:srgbClr val="00B050"/>
@@ -6061,6 +7503,12 @@
     <a:masterClrMapping/>
   </p:clrMapOvr>
 </p:sld>
+</file>
+
+<file path=ppt/tags/tag1.xml><?xml version="1.0" encoding="utf-8"?>
+<p:tagLst xmlns:p="http://schemas.openxmlformats.org/presentationml/2006/main">
+  <p:tag name="commondata" val="eyJoZGlkIjoiNmY3ODg0NGRmODQwMDc4YzNlOTRiNzEyYWUxNzQyNmMifQ=="/>
+</p:tagLst>
 </file>
 
 <file path=ppt/theme/theme1.xml><?xml version="1.0" encoding="utf-8"?>
